--- a/Materials/figures manually created/Fig. ChatGPT.pptx
+++ b/Materials/figures manually created/Fig. ChatGPT.pptx
@@ -5,12 +5,10 @@
     <p:sldMasterId id="2147483648" r:id="rId1"/>
   </p:sldMasterIdLst>
   <p:notesMasterIdLst>
-    <p:notesMasterId r:id="rId5"/>
+    <p:notesMasterId r:id="rId3"/>
   </p:notesMasterIdLst>
   <p:sldIdLst>
-    <p:sldId id="256" r:id="rId2"/>
-    <p:sldId id="351" r:id="rId3"/>
-    <p:sldId id="323" r:id="rId4"/>
+    <p:sldId id="353" r:id="rId2"/>
   </p:sldIdLst>
   <p:sldSz cx="12192000" cy="6858000"/>
   <p:notesSz cx="6858000" cy="9144000"/>
@@ -199,7 +197,7 @@
           <a:p>
             <a:fld id="{68E57385-BFF9-429F-8B12-0940D9BFDC0F}" type="datetimeFigureOut">
               <a:rPr lang="en-US" smtClean="0"/>
-              <a:t>8/1/2024</a:t>
+              <a:t>8/6/2024</a:t>
             </a:fld>
             <a:endParaRPr lang="en-US"/>
           </a:p>
@@ -467,212 +465,6 @@
 </p:notesMaster>
 </file>
 
-<file path=ppt/notesSlides/notesSlide1.xml><?xml version="1.0" encoding="utf-8"?>
-<p:notes xmlns:a="http://schemas.openxmlformats.org/drawingml/2006/main" xmlns:r="http://schemas.openxmlformats.org/officeDocument/2006/relationships" xmlns:p="http://schemas.openxmlformats.org/presentationml/2006/main">
-  <p:cSld>
-    <p:spTree>
-      <p:nvGrpSpPr>
-        <p:cNvPr id="1" name=""/>
-        <p:cNvGrpSpPr/>
-        <p:nvPr/>
-      </p:nvGrpSpPr>
-      <p:grpSpPr>
-        <a:xfrm>
-          <a:off x="0" y="0"/>
-          <a:ext cx="0" cy="0"/>
-          <a:chOff x="0" y="0"/>
-          <a:chExt cx="0" cy="0"/>
-        </a:xfrm>
-      </p:grpSpPr>
-      <p:sp>
-        <p:nvSpPr>
-          <p:cNvPr id="2" name="Folienbildplatzhalter 1"/>
-          <p:cNvSpPr>
-            <a:spLocks noGrp="1" noRot="1" noChangeAspect="1"/>
-          </p:cNvSpPr>
-          <p:nvPr>
-            <p:ph type="sldImg"/>
-          </p:nvPr>
-        </p:nvSpPr>
-        <p:spPr/>
-      </p:sp>
-      <p:sp>
-        <p:nvSpPr>
-          <p:cNvPr id="3" name="Notizenplatzhalter 2"/>
-          <p:cNvSpPr>
-            <a:spLocks noGrp="1"/>
-          </p:cNvSpPr>
-          <p:nvPr>
-            <p:ph type="body" idx="1"/>
-          </p:nvPr>
-        </p:nvSpPr>
-        <p:spPr/>
-        <p:txBody>
-          <a:bodyPr/>
-          <a:lstStyle/>
-          <a:p>
-            <a:pPr marL="0" marR="0" lvl="0" indent="0" algn="l" defTabSz="914400" rtl="0" eaLnBrk="1" fontAlgn="auto" latinLnBrk="0" hangingPunct="1">
-              <a:lnSpc>
-                <a:spcPct val="100000"/>
-              </a:lnSpc>
-              <a:spcBef>
-                <a:spcPts val="0"/>
-              </a:spcBef>
-              <a:spcAft>
-                <a:spcPts val="0"/>
-              </a:spcAft>
-              <a:buClrTx/>
-              <a:buSzTx/>
-              <a:buFontTx/>
-              <a:buNone/>
-              <a:tabLst/>
-              <a:defRPr/>
-            </a:pPr>
-            <a:endParaRPr lang="de-DE" sz="1800" noProof="0" dirty="0">
-              <a:effectLst/>
-              <a:latin typeface="Times New Roman" panose="02020603050405020304" pitchFamily="18" charset="0"/>
-              <a:ea typeface="Calibri" panose="020F0502020204030204" pitchFamily="34" charset="0"/>
-            </a:endParaRPr>
-          </a:p>
-        </p:txBody>
-      </p:sp>
-      <p:sp>
-        <p:nvSpPr>
-          <p:cNvPr id="4" name="Foliennummernplatzhalter 3"/>
-          <p:cNvSpPr>
-            <a:spLocks noGrp="1"/>
-          </p:cNvSpPr>
-          <p:nvPr>
-            <p:ph type="sldNum" sz="quarter" idx="5"/>
-          </p:nvPr>
-        </p:nvSpPr>
-        <p:spPr/>
-        <p:txBody>
-          <a:bodyPr/>
-          <a:lstStyle/>
-          <a:p>
-            <a:fld id="{28FCEC26-D181-4CB4-B665-D6D96AE6AE52}" type="slidenum">
-              <a:rPr lang="de-DE" smtClean="0"/>
-              <a:t>2</a:t>
-            </a:fld>
-            <a:endParaRPr lang="de-DE"/>
-          </a:p>
-        </p:txBody>
-      </p:sp>
-    </p:spTree>
-    <p:extLst>
-      <p:ext uri="{BB962C8B-B14F-4D97-AF65-F5344CB8AC3E}">
-        <p14:creationId xmlns:p14="http://schemas.microsoft.com/office/powerpoint/2010/main" val="2090232711"/>
-      </p:ext>
-    </p:extLst>
-  </p:cSld>
-  <p:clrMapOvr>
-    <a:masterClrMapping/>
-  </p:clrMapOvr>
-</p:notes>
-</file>
-
-<file path=ppt/notesSlides/notesSlide2.xml><?xml version="1.0" encoding="utf-8"?>
-<p:notes xmlns:a="http://schemas.openxmlformats.org/drawingml/2006/main" xmlns:r="http://schemas.openxmlformats.org/officeDocument/2006/relationships" xmlns:p="http://schemas.openxmlformats.org/presentationml/2006/main">
-  <p:cSld>
-    <p:spTree>
-      <p:nvGrpSpPr>
-        <p:cNvPr id="1" name=""/>
-        <p:cNvGrpSpPr/>
-        <p:nvPr/>
-      </p:nvGrpSpPr>
-      <p:grpSpPr>
-        <a:xfrm>
-          <a:off x="0" y="0"/>
-          <a:ext cx="0" cy="0"/>
-          <a:chOff x="0" y="0"/>
-          <a:chExt cx="0" cy="0"/>
-        </a:xfrm>
-      </p:grpSpPr>
-      <p:sp>
-        <p:nvSpPr>
-          <p:cNvPr id="2" name="Folienbildplatzhalter 1"/>
-          <p:cNvSpPr>
-            <a:spLocks noGrp="1" noRot="1" noChangeAspect="1"/>
-          </p:cNvSpPr>
-          <p:nvPr>
-            <p:ph type="sldImg"/>
-          </p:nvPr>
-        </p:nvSpPr>
-        <p:spPr/>
-      </p:sp>
-      <p:sp>
-        <p:nvSpPr>
-          <p:cNvPr id="3" name="Notizenplatzhalter 2"/>
-          <p:cNvSpPr>
-            <a:spLocks noGrp="1"/>
-          </p:cNvSpPr>
-          <p:nvPr>
-            <p:ph type="body" idx="1"/>
-          </p:nvPr>
-        </p:nvSpPr>
-        <p:spPr/>
-        <p:txBody>
-          <a:bodyPr/>
-          <a:lstStyle/>
-          <a:p>
-            <a:pPr marL="0" marR="0" lvl="0" indent="0" algn="l" defTabSz="914400" rtl="0" eaLnBrk="1" fontAlgn="auto" latinLnBrk="0" hangingPunct="1">
-              <a:lnSpc>
-                <a:spcPct val="100000"/>
-              </a:lnSpc>
-              <a:spcBef>
-                <a:spcPts val="0"/>
-              </a:spcBef>
-              <a:spcAft>
-                <a:spcPts val="0"/>
-              </a:spcAft>
-              <a:buClrTx/>
-              <a:buSzTx/>
-              <a:buFontTx/>
-              <a:buNone/>
-              <a:tabLst/>
-              <a:defRPr/>
-            </a:pPr>
-            <a:endParaRPr lang="de-DE" dirty="0"/>
-          </a:p>
-        </p:txBody>
-      </p:sp>
-      <p:sp>
-        <p:nvSpPr>
-          <p:cNvPr id="4" name="Foliennummernplatzhalter 3"/>
-          <p:cNvSpPr>
-            <a:spLocks noGrp="1"/>
-          </p:cNvSpPr>
-          <p:nvPr>
-            <p:ph type="sldNum" sz="quarter" idx="5"/>
-          </p:nvPr>
-        </p:nvSpPr>
-        <p:spPr/>
-        <p:txBody>
-          <a:bodyPr/>
-          <a:lstStyle/>
-          <a:p>
-            <a:fld id="{28FCEC26-D181-4CB4-B665-D6D96AE6AE52}" type="slidenum">
-              <a:rPr lang="de-DE" smtClean="0"/>
-              <a:t>3</a:t>
-            </a:fld>
-            <a:endParaRPr lang="de-DE"/>
-          </a:p>
-        </p:txBody>
-      </p:sp>
-    </p:spTree>
-    <p:extLst>
-      <p:ext uri="{BB962C8B-B14F-4D97-AF65-F5344CB8AC3E}">
-        <p14:creationId xmlns:p14="http://schemas.microsoft.com/office/powerpoint/2010/main" val="286920972"/>
-      </p:ext>
-    </p:extLst>
-  </p:cSld>
-  <p:clrMapOvr>
-    <a:masterClrMapping/>
-  </p:clrMapOvr>
-</p:notes>
-</file>
-
 <file path=ppt/slideLayouts/slideLayout1.xml><?xml version="1.0" encoding="utf-8"?>
 <p:sldLayout xmlns:a="http://schemas.openxmlformats.org/drawingml/2006/main" xmlns:r="http://schemas.openxmlformats.org/officeDocument/2006/relationships" xmlns:p="http://schemas.openxmlformats.org/presentationml/2006/main" type="title" preserve="1">
   <p:cSld name="Titelfolie">
@@ -820,7 +612,7 @@
           <a:p>
             <a:fld id="{6C69BBB5-676D-4F44-9A00-181B7A6F52CE}" type="datetimeFigureOut">
               <a:rPr lang="de-DE" smtClean="0"/>
-              <a:t>01.08.2024</a:t>
+              <a:t>06.08.2024</a:t>
             </a:fld>
             <a:endParaRPr lang="de-DE"/>
           </a:p>
@@ -1018,7 +810,7 @@
           <a:p>
             <a:fld id="{6C69BBB5-676D-4F44-9A00-181B7A6F52CE}" type="datetimeFigureOut">
               <a:rPr lang="de-DE" smtClean="0"/>
-              <a:t>01.08.2024</a:t>
+              <a:t>06.08.2024</a:t>
             </a:fld>
             <a:endParaRPr lang="de-DE"/>
           </a:p>
@@ -1226,7 +1018,7 @@
           <a:p>
             <a:fld id="{6C69BBB5-676D-4F44-9A00-181B7A6F52CE}" type="datetimeFigureOut">
               <a:rPr lang="de-DE" smtClean="0"/>
-              <a:t>01.08.2024</a:t>
+              <a:t>06.08.2024</a:t>
             </a:fld>
             <a:endParaRPr lang="de-DE"/>
           </a:p>
@@ -1434,7 +1226,7 @@
           <a:p>
             <a:fld id="{4EACA74D-5BE1-4B96-AD61-3AB0A5E02EC7}" type="datetime4">
               <a:rPr lang="de-DE" smtClean="0"/>
-              <a:t>1. August 2024</a:t>
+              <a:t>6. August 2024</a:t>
             </a:fld>
             <a:endParaRPr lang="de-DE" dirty="0"/>
           </a:p>
@@ -1673,7 +1465,7 @@
           <a:p>
             <a:fld id="{6C69BBB5-676D-4F44-9A00-181B7A6F52CE}" type="datetimeFigureOut">
               <a:rPr lang="de-DE" smtClean="0"/>
-              <a:t>01.08.2024</a:t>
+              <a:t>06.08.2024</a:t>
             </a:fld>
             <a:endParaRPr lang="de-DE"/>
           </a:p>
@@ -1948,7 +1740,7 @@
           <a:p>
             <a:fld id="{6C69BBB5-676D-4F44-9A00-181B7A6F52CE}" type="datetimeFigureOut">
               <a:rPr lang="de-DE" smtClean="0"/>
-              <a:t>01.08.2024</a:t>
+              <a:t>06.08.2024</a:t>
             </a:fld>
             <a:endParaRPr lang="de-DE"/>
           </a:p>
@@ -2213,7 +2005,7 @@
           <a:p>
             <a:fld id="{6C69BBB5-676D-4F44-9A00-181B7A6F52CE}" type="datetimeFigureOut">
               <a:rPr lang="de-DE" smtClean="0"/>
-              <a:t>01.08.2024</a:t>
+              <a:t>06.08.2024</a:t>
             </a:fld>
             <a:endParaRPr lang="de-DE"/>
           </a:p>
@@ -2625,7 +2417,7 @@
           <a:p>
             <a:fld id="{6C69BBB5-676D-4F44-9A00-181B7A6F52CE}" type="datetimeFigureOut">
               <a:rPr lang="de-DE" smtClean="0"/>
-              <a:t>01.08.2024</a:t>
+              <a:t>06.08.2024</a:t>
             </a:fld>
             <a:endParaRPr lang="de-DE"/>
           </a:p>
@@ -2766,7 +2558,7 @@
           <a:p>
             <a:fld id="{6C69BBB5-676D-4F44-9A00-181B7A6F52CE}" type="datetimeFigureOut">
               <a:rPr lang="de-DE" smtClean="0"/>
-              <a:t>01.08.2024</a:t>
+              <a:t>06.08.2024</a:t>
             </a:fld>
             <a:endParaRPr lang="de-DE"/>
           </a:p>
@@ -2879,7 +2671,7 @@
           <a:p>
             <a:fld id="{6C69BBB5-676D-4F44-9A00-181B7A6F52CE}" type="datetimeFigureOut">
               <a:rPr lang="de-DE" smtClean="0"/>
-              <a:t>01.08.2024</a:t>
+              <a:t>06.08.2024</a:t>
             </a:fld>
             <a:endParaRPr lang="de-DE"/>
           </a:p>
@@ -3190,7 +2982,7 @@
           <a:p>
             <a:fld id="{6C69BBB5-676D-4F44-9A00-181B7A6F52CE}" type="datetimeFigureOut">
               <a:rPr lang="de-DE" smtClean="0"/>
-              <a:t>01.08.2024</a:t>
+              <a:t>06.08.2024</a:t>
             </a:fld>
             <a:endParaRPr lang="de-DE"/>
           </a:p>
@@ -3478,7 +3270,7 @@
           <a:p>
             <a:fld id="{6C69BBB5-676D-4F44-9A00-181B7A6F52CE}" type="datetimeFigureOut">
               <a:rPr lang="de-DE" smtClean="0"/>
-              <a:t>01.08.2024</a:t>
+              <a:t>06.08.2024</a:t>
             </a:fld>
             <a:endParaRPr lang="de-DE"/>
           </a:p>
@@ -3719,7 +3511,7 @@
           <a:p>
             <a:fld id="{6C69BBB5-676D-4F44-9A00-181B7A6F52CE}" type="datetimeFigureOut">
               <a:rPr lang="de-DE" smtClean="0"/>
-              <a:t>01.08.2024</a:t>
+              <a:t>06.08.2024</a:t>
             </a:fld>
             <a:endParaRPr lang="de-DE"/>
           </a:p>
@@ -4139,10 +3931,10 @@
       </p:grpSpPr>
       <p:sp>
         <p:nvSpPr>
-          <p:cNvPr id="5" name="Pfeil nach rechts 4">
-            <a:extLst>
-              <a:ext uri="{FF2B5EF4-FFF2-40B4-BE49-F238E27FC236}">
-                <a16:creationId xmlns:a16="http://schemas.microsoft.com/office/drawing/2014/main" id="{031D70C1-6DC4-05C8-9CCE-ED98D761F1AA}"/>
+          <p:cNvPr id="27" name="Rechteck: abgerundete Ecken 26">
+            <a:extLst>
+              <a:ext uri="{FF2B5EF4-FFF2-40B4-BE49-F238E27FC236}">
+                <a16:creationId xmlns:a16="http://schemas.microsoft.com/office/drawing/2014/main" id="{EEAC1C76-66D3-4489-84AC-F2E69B960FA6}"/>
               </a:ext>
             </a:extLst>
           </p:cNvPr>
@@ -4151,77 +3943,8 @@
         </p:nvSpPr>
         <p:spPr>
           <a:xfrm>
-            <a:off x="1909514" y="2680855"/>
-            <a:ext cx="420462" cy="491862"/>
-          </a:xfrm>
-          <a:prstGeom prst="rightArrow">
-            <a:avLst>
-              <a:gd name="adj1" fmla="val 60000"/>
-              <a:gd name="adj2" fmla="val 50000"/>
-            </a:avLst>
-          </a:prstGeom>
-          <a:ln>
-            <a:solidFill>
-              <a:schemeClr val="accent1"/>
-            </a:solidFill>
-          </a:ln>
-        </p:spPr>
-        <p:style>
-          <a:lnRef idx="0">
-            <a:schemeClr val="accent1">
-              <a:tint val="60000"/>
-              <a:hueOff val="0"/>
-              <a:satOff val="0"/>
-              <a:lumOff val="0"/>
-              <a:alphaOff val="0"/>
-            </a:schemeClr>
-          </a:lnRef>
-          <a:fillRef idx="1">
-            <a:schemeClr val="accent1">
-              <a:tint val="60000"/>
-              <a:hueOff val="0"/>
-              <a:satOff val="0"/>
-              <a:lumOff val="0"/>
-              <a:alphaOff val="0"/>
-            </a:schemeClr>
-          </a:fillRef>
-          <a:effectRef idx="0">
-            <a:schemeClr val="accent1">
-              <a:tint val="60000"/>
-              <a:hueOff val="0"/>
-              <a:satOff val="0"/>
-              <a:lumOff val="0"/>
-              <a:alphaOff val="0"/>
-            </a:schemeClr>
-          </a:effectRef>
-          <a:fontRef idx="minor">
-            <a:schemeClr val="lt1"/>
-          </a:fontRef>
-        </p:style>
-        <p:txBody>
-          <a:bodyPr/>
-          <a:lstStyle/>
-          <a:p>
-            <a:endParaRPr lang="de-DE"/>
-          </a:p>
-        </p:txBody>
-      </p:sp>
-      <p:sp>
-        <p:nvSpPr>
-          <p:cNvPr id="7" name="Abgerundetes Rechteck 6">
-            <a:extLst>
-              <a:ext uri="{FF2B5EF4-FFF2-40B4-BE49-F238E27FC236}">
-                <a16:creationId xmlns:a16="http://schemas.microsoft.com/office/drawing/2014/main" id="{08E05ADD-E890-DEE9-BF06-4C048E6BC354}"/>
-              </a:ext>
-            </a:extLst>
-          </p:cNvPr>
-          <p:cNvSpPr/>
-          <p:nvPr/>
-        </p:nvSpPr>
-        <p:spPr>
-          <a:xfrm>
-            <a:off x="2385601" y="2632001"/>
-            <a:ext cx="1206649" cy="637335"/>
+            <a:off x="4914901" y="234934"/>
+            <a:ext cx="6554750" cy="3143250"/>
           </a:xfrm>
           <a:prstGeom prst="roundRect">
             <a:avLst/>
@@ -4229,83 +3952,149 @@
         </p:spPr>
         <p:style>
           <a:lnRef idx="2">
-            <a:schemeClr val="accent1">
-              <a:shade val="15000"/>
-            </a:schemeClr>
+            <a:schemeClr val="dk1"/>
           </a:lnRef>
           <a:fillRef idx="1">
-            <a:schemeClr val="accent1"/>
+            <a:schemeClr val="lt1"/>
           </a:fillRef>
           <a:effectRef idx="0">
-            <a:schemeClr val="accent1"/>
+            <a:schemeClr val="dk1"/>
           </a:effectRef>
           <a:fontRef idx="minor">
-            <a:schemeClr val="lt1"/>
+            <a:schemeClr val="dk1"/>
           </a:fontRef>
         </p:style>
         <p:txBody>
-          <a:bodyPr rtlCol="0" anchor="ctr"/>
+          <a:bodyPr numCol="2" rtlCol="0" anchor="ctr"/>
           <a:lstStyle/>
           <a:p>
             <a:pPr algn="ctr"/>
             <a:r>
-              <a:rPr lang="de-DE" sz="1400" b="1" dirty="0"/>
-              <a:t>Random </a:t>
-            </a:r>
-            <a:r>
-              <a:rPr lang="de-DE" sz="1400" b="1" dirty="0" err="1"/>
-              <a:t>assignment</a:t>
-            </a:r>
-            <a:endParaRPr lang="de-DE" sz="1400" b="1" dirty="0"/>
-          </a:p>
-        </p:txBody>
-      </p:sp>
-      <p:pic>
-        <p:nvPicPr>
-          <p:cNvPr id="8" name="Grafik 7" descr="Ein Bild, das Electric Blue (Farbe), Blau, Design enthält.&#10;&#10;Automatisch generierte Beschreibung">
-            <a:extLst>
-              <a:ext uri="{FF2B5EF4-FFF2-40B4-BE49-F238E27FC236}">
-                <a16:creationId xmlns:a16="http://schemas.microsoft.com/office/drawing/2014/main" id="{564919DA-C706-3FC2-D756-BD95184DD454}"/>
-              </a:ext>
-            </a:extLst>
-          </p:cNvPr>
-          <p:cNvPicPr>
-            <a:picLocks noChangeAspect="1"/>
-          </p:cNvPicPr>
+              <a:rPr lang="en-US" sz="1000" b="1" dirty="0">
+                <a:latin typeface="Times New Roman" panose="02020603050405020304" pitchFamily="18" charset="0"/>
+                <a:cs typeface="Times New Roman" panose="02020603050405020304" pitchFamily="18" charset="0"/>
+              </a:rPr>
+              <a:t>Prompt #1 for Fig. XXX1:</a:t>
+            </a:r>
+          </a:p>
+          <a:p>
+            <a:pPr algn="ctr"/>
+            <a:r>
+              <a:rPr lang="en-US" sz="1000" dirty="0">
+                <a:latin typeface="Times New Roman" panose="02020603050405020304" pitchFamily="18" charset="0"/>
+                <a:cs typeface="Times New Roman" panose="02020603050405020304" pitchFamily="18" charset="0"/>
+              </a:rPr>
+              <a:t>&lt;Context&gt;You are a researcher tasked with summarizing two wordlists that highlight people's assessments of rigid robots compared to soft robots. Laypersons were informed about the potential risks and benefits of {robots} through scenario texts. Initially, they listed their perceived risks and benefits of rigid robots in a list titled "rigid." Subsequently, they learned about the trend towards soft robots, which are made of flexible, soft materials and are electronic-free. They then created a list titled "soft" to highlight the differences between rigid and soft robots. The overarching topic of the two lists is the {</a:t>
+            </a:r>
+            <a:r>
+              <a:rPr lang="en-US" sz="1000" dirty="0" err="1">
+                <a:latin typeface="Times New Roman" panose="02020603050405020304" pitchFamily="18" charset="0"/>
+                <a:cs typeface="Times New Roman" panose="02020603050405020304" pitchFamily="18" charset="0"/>
+              </a:rPr>
+              <a:t>topicCategory</a:t>
+            </a:r>
+            <a:r>
+              <a:rPr lang="en-US" sz="1000" dirty="0">
+                <a:latin typeface="Times New Roman" panose="02020603050405020304" pitchFamily="18" charset="0"/>
+                <a:cs typeface="Times New Roman" panose="02020603050405020304" pitchFamily="18" charset="0"/>
+              </a:rPr>
+              <a:t>}, whereby the topic involved {</a:t>
+            </a:r>
+            <a:r>
+              <a:rPr lang="en-US" sz="1000" dirty="0" err="1">
+                <a:latin typeface="Times New Roman" panose="02020603050405020304" pitchFamily="18" charset="0"/>
+                <a:cs typeface="Times New Roman" panose="02020603050405020304" pitchFamily="18" charset="0"/>
+              </a:rPr>
+              <a:t>topicCategoryDetails</a:t>
+            </a:r>
+            <a:r>
+              <a:rPr lang="en-US" sz="1000" dirty="0">
+                <a:latin typeface="Times New Roman" panose="02020603050405020304" pitchFamily="18" charset="0"/>
+                <a:cs typeface="Times New Roman" panose="02020603050405020304" pitchFamily="18" charset="0"/>
+              </a:rPr>
+              <a:t>}.&lt;/Context&gt;</a:t>
+            </a:r>
+          </a:p>
+          <a:p>
+            <a:pPr algn="ctr"/>
+            <a:endParaRPr lang="en-US" sz="1000" dirty="0">
+              <a:latin typeface="Times New Roman" panose="02020603050405020304" pitchFamily="18" charset="0"/>
+              <a:cs typeface="Times New Roman" panose="02020603050405020304" pitchFamily="18" charset="0"/>
+            </a:endParaRPr>
+          </a:p>
+          <a:p>
+            <a:pPr algn="ctr"/>
+            <a:r>
+              <a:rPr lang="en-US" sz="1000" dirty="0">
+                <a:latin typeface="Times New Roman" panose="02020603050405020304" pitchFamily="18" charset="0"/>
+                <a:cs typeface="Times New Roman" panose="02020603050405020304" pitchFamily="18" charset="0"/>
+              </a:rPr>
+              <a:t>&lt;Data Structure&gt;The lists "rigid" and "soft" are dictionaries where the keys are written arguments, and their corresponding values are one or more comments related to those arguments. The value [nan] indicates that no specific comment was provided for the respective entry. If there are multiple comments or missing entries ([nan]), it signifies that the respective argument was mentioned as many times as there are entries.&lt;/Data Structure&gt;</a:t>
+            </a:r>
+          </a:p>
+          <a:p>
+            <a:pPr algn="ctr"/>
+            <a:endParaRPr lang="en-US" sz="1000" dirty="0">
+              <a:latin typeface="Times New Roman" panose="02020603050405020304" pitchFamily="18" charset="0"/>
+              <a:cs typeface="Times New Roman" panose="02020603050405020304" pitchFamily="18" charset="0"/>
+            </a:endParaRPr>
+          </a:p>
+          <a:p>
+            <a:pPr algn="ctr"/>
+            <a:r>
+              <a:rPr lang="en-US" sz="1000" dirty="0">
+                <a:latin typeface="Times New Roman" panose="02020603050405020304" pitchFamily="18" charset="0"/>
+                <a:cs typeface="Times New Roman" panose="02020603050405020304" pitchFamily="18" charset="0"/>
+              </a:rPr>
+              <a:t>&lt;Task&gt;Write two concise bullet points: one highlighting the main findings of the provided "rigid" list, and the highlighting the main findings of the provided "soft" list. Each set of bullet points should contain a maximum of five items, focusing on the overarching argument structures. Additionally, provide a summary paragraph of no more than four sentences that encapsulates the main findings of both lists. Do not use the term list, instead refer to the {robots}. Be scientific and neutral in your wording. Consider all provided information carefully. Check if you have provided the two lists of bullet points (called </a:t>
+            </a:r>
+            <a:r>
+              <a:rPr lang="en-US" sz="1000" dirty="0" err="1">
+                <a:latin typeface="Times New Roman" panose="02020603050405020304" pitchFamily="18" charset="0"/>
+                <a:cs typeface="Times New Roman" panose="02020603050405020304" pitchFamily="18" charset="0"/>
+              </a:rPr>
+              <a:t>mainFindingsRigid</a:t>
+            </a:r>
+            <a:r>
+              <a:rPr lang="en-US" sz="1000" dirty="0">
+                <a:latin typeface="Times New Roman" panose="02020603050405020304" pitchFamily="18" charset="0"/>
+                <a:cs typeface="Times New Roman" panose="02020603050405020304" pitchFamily="18" charset="0"/>
+              </a:rPr>
+              <a:t> and </a:t>
+            </a:r>
+            <a:r>
+              <a:rPr lang="en-US" sz="1000" dirty="0" err="1">
+                <a:latin typeface="Times New Roman" panose="02020603050405020304" pitchFamily="18" charset="0"/>
+                <a:cs typeface="Times New Roman" panose="02020603050405020304" pitchFamily="18" charset="0"/>
+              </a:rPr>
+              <a:t>mainFindingsSoft</a:t>
+            </a:r>
+            <a:r>
+              <a:rPr lang="en-US" sz="1000" dirty="0">
+                <a:latin typeface="Times New Roman" panose="02020603050405020304" pitchFamily="18" charset="0"/>
+                <a:cs typeface="Times New Roman" panose="02020603050405020304" pitchFamily="18" charset="0"/>
+              </a:rPr>
+              <a:t>), and the summary paragraph (called summary).&lt;/Task&gt;</a:t>
+            </a:r>
+          </a:p>
+        </p:txBody>
+      </p:sp>
+      <p:sp>
+        <p:nvSpPr>
+          <p:cNvPr id="47" name="Rechteck: abgerundete Ecken 46">
+            <a:extLst>
+              <a:ext uri="{FF2B5EF4-FFF2-40B4-BE49-F238E27FC236}">
+                <a16:creationId xmlns:a16="http://schemas.microsoft.com/office/drawing/2014/main" id="{910C8DAB-AD32-4020-AAE7-6F02EA63AF12}"/>
+              </a:ext>
+            </a:extLst>
+          </p:cNvPr>
+          <p:cNvSpPr/>
           <p:nvPr/>
-        </p:nvPicPr>
-        <p:blipFill>
-          <a:blip r:embed="rId2"/>
-          <a:stretch>
-            <a:fillRect/>
-          </a:stretch>
-        </p:blipFill>
+        </p:nvSpPr>
         <p:spPr>
           <a:xfrm>
-            <a:off x="576727" y="2452094"/>
-            <a:ext cx="1206648" cy="1150087"/>
-          </a:xfrm>
-          <a:prstGeom prst="rect">
-            <a:avLst/>
-          </a:prstGeom>
-        </p:spPr>
-      </p:pic>
-      <p:sp>
-        <p:nvSpPr>
-          <p:cNvPr id="9" name="Abgerundetes Rechteck 8">
-            <a:extLst>
-              <a:ext uri="{FF2B5EF4-FFF2-40B4-BE49-F238E27FC236}">
-                <a16:creationId xmlns:a16="http://schemas.microsoft.com/office/drawing/2014/main" id="{E9192541-9927-3EBE-F75D-956B3E0921F8}"/>
-              </a:ext>
-            </a:extLst>
-          </p:cNvPr>
-          <p:cNvSpPr/>
-          <p:nvPr/>
-        </p:nvSpPr>
-        <p:spPr>
-          <a:xfrm>
-            <a:off x="3705101" y="3411266"/>
-            <a:ext cx="1219200" cy="595905"/>
+            <a:off x="5002177" y="3524251"/>
+            <a:ext cx="6554750" cy="3143250"/>
           </a:xfrm>
           <a:prstGeom prst="roundRect">
             <a:avLst/>
@@ -4313,38 +4102,225 @@
         </p:spPr>
         <p:style>
           <a:lnRef idx="2">
-            <a:schemeClr val="accent1">
-              <a:shade val="15000"/>
-            </a:schemeClr>
+            <a:schemeClr val="dk1"/>
           </a:lnRef>
           <a:fillRef idx="1">
-            <a:schemeClr val="accent1"/>
+            <a:schemeClr val="lt1"/>
           </a:fillRef>
           <a:effectRef idx="0">
-            <a:schemeClr val="accent1"/>
+            <a:schemeClr val="dk1"/>
           </a:effectRef>
           <a:fontRef idx="minor">
-            <a:schemeClr val="lt1"/>
+            <a:schemeClr val="dk1"/>
           </a:fontRef>
         </p:style>
         <p:txBody>
-          <a:bodyPr rtlCol="0" anchor="ctr"/>
+          <a:bodyPr numCol="2" rtlCol="0" anchor="ctr"/>
           <a:lstStyle/>
           <a:p>
             <a:pPr algn="ctr"/>
             <a:r>
-              <a:rPr lang="de-DE" sz="1300" b="1" dirty="0"/>
-              <a:t>Search and Rescue Robot</a:t>
-            </a:r>
-          </a:p>
-        </p:txBody>
-      </p:sp>
-      <p:sp>
-        <p:nvSpPr>
-          <p:cNvPr id="10" name="Abgerundetes Rechteck 9">
-            <a:extLst>
-              <a:ext uri="{FF2B5EF4-FFF2-40B4-BE49-F238E27FC236}">
-                <a16:creationId xmlns:a16="http://schemas.microsoft.com/office/drawing/2014/main" id="{523CCCD6-AB1A-7685-4812-79F165EB8B9B}"/>
+              <a:rPr lang="en-US" sz="1000" b="1" dirty="0">
+                <a:latin typeface="Times New Roman" panose="02020603050405020304" pitchFamily="18" charset="0"/>
+                <a:cs typeface="Times New Roman" panose="02020603050405020304" pitchFamily="18" charset="0"/>
+              </a:rPr>
+              <a:t>Prompt #1 for Fig. XXX2:</a:t>
+            </a:r>
+          </a:p>
+          <a:p>
+            <a:pPr algn="ctr"/>
+            <a:r>
+              <a:rPr lang="en-US" sz="1000" dirty="0">
+                <a:latin typeface="Times New Roman" panose="02020603050405020304" pitchFamily="18" charset="0"/>
+                <a:cs typeface="Times New Roman" panose="02020603050405020304" pitchFamily="18" charset="0"/>
+              </a:rPr>
+              <a:t>&lt;Context&gt; You are a researcher tasked with summarizing a list of words into generic/superordinate categories. Based on these categories, create a dictionary that assigns the respective subordinate terms (keys from the provided "</a:t>
+            </a:r>
+            <a:r>
+              <a:rPr lang="en-US" sz="1000" dirty="0" err="1">
+                <a:latin typeface="Times New Roman" panose="02020603050405020304" pitchFamily="18" charset="0"/>
+                <a:cs typeface="Times New Roman" panose="02020603050405020304" pitchFamily="18" charset="0"/>
+              </a:rPr>
+              <a:t>overallList</a:t>
+            </a:r>
+            <a:r>
+              <a:rPr lang="en-US" sz="1000" dirty="0">
+                <a:latin typeface="Times New Roman" panose="02020603050405020304" pitchFamily="18" charset="0"/>
+                <a:cs typeface="Times New Roman" panose="02020603050405020304" pitchFamily="18" charset="0"/>
+              </a:rPr>
+              <a:t>") to the generic terms. Laypersons were informed about the potential risks and benefits of rigid and soft {robots} through scenario texts. They then listed their perceived risks and benefits of rigid and soft robots in the "</a:t>
+            </a:r>
+            <a:r>
+              <a:rPr lang="en-US" sz="1000" dirty="0" err="1">
+                <a:latin typeface="Times New Roman" panose="02020603050405020304" pitchFamily="18" charset="0"/>
+                <a:cs typeface="Times New Roman" panose="02020603050405020304" pitchFamily="18" charset="0"/>
+              </a:rPr>
+              <a:t>overallList</a:t>
+            </a:r>
+            <a:r>
+              <a:rPr lang="en-US" sz="1000" dirty="0">
+                <a:latin typeface="Times New Roman" panose="02020603050405020304" pitchFamily="18" charset="0"/>
+                <a:cs typeface="Times New Roman" panose="02020603050405020304" pitchFamily="18" charset="0"/>
+              </a:rPr>
+              <a:t>" wordlist. The overarching topic of the list is {</a:t>
+            </a:r>
+            <a:r>
+              <a:rPr lang="en-US" sz="1000" dirty="0" err="1">
+                <a:latin typeface="Times New Roman" panose="02020603050405020304" pitchFamily="18" charset="0"/>
+                <a:cs typeface="Times New Roman" panose="02020603050405020304" pitchFamily="18" charset="0"/>
+              </a:rPr>
+              <a:t>topicCategory</a:t>
+            </a:r>
+            <a:r>
+              <a:rPr lang="en-US" sz="1000" dirty="0">
+                <a:latin typeface="Times New Roman" panose="02020603050405020304" pitchFamily="18" charset="0"/>
+                <a:cs typeface="Times New Roman" panose="02020603050405020304" pitchFamily="18" charset="0"/>
+              </a:rPr>
+              <a:t>}, whereby the topic involved {</a:t>
+            </a:r>
+            <a:r>
+              <a:rPr lang="en-US" sz="1000" dirty="0" err="1">
+                <a:latin typeface="Times New Roman" panose="02020603050405020304" pitchFamily="18" charset="0"/>
+                <a:cs typeface="Times New Roman" panose="02020603050405020304" pitchFamily="18" charset="0"/>
+              </a:rPr>
+              <a:t>topicCategoryDetails</a:t>
+            </a:r>
+            <a:r>
+              <a:rPr lang="en-US" sz="1000" dirty="0">
+                <a:latin typeface="Times New Roman" panose="02020603050405020304" pitchFamily="18" charset="0"/>
+                <a:cs typeface="Times New Roman" panose="02020603050405020304" pitchFamily="18" charset="0"/>
+              </a:rPr>
+              <a:t>}.&lt;/Context&gt;</a:t>
+            </a:r>
+          </a:p>
+          <a:p>
+            <a:pPr algn="ctr"/>
+            <a:endParaRPr lang="en-US" sz="1000" dirty="0">
+              <a:latin typeface="Times New Roman" panose="02020603050405020304" pitchFamily="18" charset="0"/>
+              <a:cs typeface="Times New Roman" panose="02020603050405020304" pitchFamily="18" charset="0"/>
+            </a:endParaRPr>
+          </a:p>
+          <a:p>
+            <a:pPr algn="ctr"/>
+            <a:r>
+              <a:rPr lang="en-US" sz="1000" dirty="0">
+                <a:latin typeface="Times New Roman" panose="02020603050405020304" pitchFamily="18" charset="0"/>
+                <a:cs typeface="Times New Roman" panose="02020603050405020304" pitchFamily="18" charset="0"/>
+              </a:rPr>
+              <a:t>&lt;Data Structure&gt; The list "</a:t>
+            </a:r>
+            <a:r>
+              <a:rPr lang="en-US" sz="1000" dirty="0" err="1">
+                <a:latin typeface="Times New Roman" panose="02020603050405020304" pitchFamily="18" charset="0"/>
+                <a:cs typeface="Times New Roman" panose="02020603050405020304" pitchFamily="18" charset="0"/>
+              </a:rPr>
+              <a:t>overallList</a:t>
+            </a:r>
+            <a:r>
+              <a:rPr lang="en-US" sz="1000" dirty="0">
+                <a:latin typeface="Times New Roman" panose="02020603050405020304" pitchFamily="18" charset="0"/>
+                <a:cs typeface="Times New Roman" panose="02020603050405020304" pitchFamily="18" charset="0"/>
+              </a:rPr>
+              <a:t>" is a dictionary where the keys are written arguments, and the corresponding values are one or more comments related to those arguments. The value [nan] indicates that no specific comment was provided for the respective entry. If there are multiple comments or missing entries ([nan]), it signifies that the respective argument was mentioned multiple times, emphasizing its importance. &lt;/Data Structure&gt;</a:t>
+            </a:r>
+          </a:p>
+          <a:p>
+            <a:pPr algn="ctr"/>
+            <a:endParaRPr lang="en-US" sz="1000" dirty="0">
+              <a:latin typeface="Times New Roman" panose="02020603050405020304" pitchFamily="18" charset="0"/>
+              <a:cs typeface="Times New Roman" panose="02020603050405020304" pitchFamily="18" charset="0"/>
+            </a:endParaRPr>
+          </a:p>
+          <a:p>
+            <a:pPr algn="ctr"/>
+            <a:r>
+              <a:rPr lang="en-US" sz="1000" dirty="0">
+                <a:latin typeface="Times New Roman" panose="02020603050405020304" pitchFamily="18" charset="0"/>
+                <a:cs typeface="Times New Roman" panose="02020603050405020304" pitchFamily="18" charset="0"/>
+              </a:rPr>
+              <a:t>&lt;Task&gt; Your task is to create two outputs:</a:t>
+            </a:r>
+          </a:p>
+          <a:p>
+            <a:pPr algn="ctr"/>
+            <a:r>
+              <a:rPr lang="en-US" sz="1000" dirty="0">
+                <a:latin typeface="Times New Roman" panose="02020603050405020304" pitchFamily="18" charset="0"/>
+                <a:cs typeface="Times New Roman" panose="02020603050405020304" pitchFamily="18" charset="0"/>
+              </a:rPr>
+              <a:t>1. A list called "</a:t>
+            </a:r>
+            <a:r>
+              <a:rPr lang="en-US" sz="1000" dirty="0" err="1">
+                <a:latin typeface="Times New Roman" panose="02020603050405020304" pitchFamily="18" charset="0"/>
+                <a:cs typeface="Times New Roman" panose="02020603050405020304" pitchFamily="18" charset="0"/>
+              </a:rPr>
+              <a:t>listGeneric</a:t>
+            </a:r>
+            <a:r>
+              <a:rPr lang="en-US" sz="1000" dirty="0">
+                <a:latin typeface="Times New Roman" panose="02020603050405020304" pitchFamily="18" charset="0"/>
+                <a:cs typeface="Times New Roman" panose="02020603050405020304" pitchFamily="18" charset="0"/>
+              </a:rPr>
+              <a:t>" that contains the generic/superordinate categories. You may use no more than six different categories.</a:t>
+            </a:r>
+          </a:p>
+          <a:p>
+            <a:pPr algn="ctr"/>
+            <a:r>
+              <a:rPr lang="en-US" sz="1000" dirty="0">
+                <a:latin typeface="Times New Roman" panose="02020603050405020304" pitchFamily="18" charset="0"/>
+                <a:cs typeface="Times New Roman" panose="02020603050405020304" pitchFamily="18" charset="0"/>
+              </a:rPr>
+              <a:t>2. A dictionary called "dictionary" that contains: Keys (the generic/superordinate categories) and values (the corresponding words – keys´- from the "</a:t>
+            </a:r>
+            <a:r>
+              <a:rPr lang="en-US" sz="1000" dirty="0" err="1">
+                <a:latin typeface="Times New Roman" panose="02020603050405020304" pitchFamily="18" charset="0"/>
+                <a:cs typeface="Times New Roman" panose="02020603050405020304" pitchFamily="18" charset="0"/>
+              </a:rPr>
+              <a:t>overallList</a:t>
+            </a:r>
+            <a:r>
+              <a:rPr lang="en-US" sz="1000" dirty="0">
+                <a:latin typeface="Times New Roman" panose="02020603050405020304" pitchFamily="18" charset="0"/>
+                <a:cs typeface="Times New Roman" panose="02020603050405020304" pitchFamily="18" charset="0"/>
+              </a:rPr>
+              <a:t>" that have been summarized under each category).</a:t>
+            </a:r>
+          </a:p>
+          <a:p>
+            <a:pPr algn="ctr"/>
+            <a:r>
+              <a:rPr lang="en-US" sz="1000" dirty="0">
+                <a:latin typeface="Times New Roman" panose="02020603050405020304" pitchFamily="18" charset="0"/>
+                <a:cs typeface="Times New Roman" panose="02020603050405020304" pitchFamily="18" charset="0"/>
+              </a:rPr>
+              <a:t>The dictionary must contain all corresponding words (keys) from the "</a:t>
+            </a:r>
+            <a:r>
+              <a:rPr lang="en-US" sz="1000" dirty="0" err="1">
+                <a:latin typeface="Times New Roman" panose="02020603050405020304" pitchFamily="18" charset="0"/>
+                <a:cs typeface="Times New Roman" panose="02020603050405020304" pitchFamily="18" charset="0"/>
+              </a:rPr>
+              <a:t>overallList</a:t>
+            </a:r>
+            <a:r>
+              <a:rPr lang="en-US" sz="1000" dirty="0">
+                <a:latin typeface="Times New Roman" panose="02020603050405020304" pitchFamily="18" charset="0"/>
+                <a:cs typeface="Times New Roman" panose="02020603050405020304" pitchFamily="18" charset="0"/>
+              </a:rPr>
+              <a:t>". If it is not possible to assign a specific word, please place it in a category called "rest category".&lt;/Task&gt;</a:t>
+            </a:r>
+          </a:p>
+        </p:txBody>
+      </p:sp>
+      <p:sp>
+        <p:nvSpPr>
+          <p:cNvPr id="49" name="Rechteck 48">
+            <a:extLst>
+              <a:ext uri="{FF2B5EF4-FFF2-40B4-BE49-F238E27FC236}">
+                <a16:creationId xmlns:a16="http://schemas.microsoft.com/office/drawing/2014/main" id="{F0222837-43FB-47AB-A018-9CE18BB6D2D2}"/>
               </a:ext>
             </a:extLst>
           </p:cNvPr>
@@ -4353,200 +4329,16 @@
         </p:nvSpPr>
         <p:spPr>
           <a:xfrm>
-            <a:off x="3705100" y="1856189"/>
-            <a:ext cx="1219201" cy="595905"/>
-          </a:xfrm>
-          <a:prstGeom prst="roundRect">
-            <a:avLst/>
-          </a:prstGeom>
-        </p:spPr>
-        <p:style>
-          <a:lnRef idx="2">
-            <a:schemeClr val="accent1">
-              <a:shade val="15000"/>
-            </a:schemeClr>
-          </a:lnRef>
-          <a:fillRef idx="1">
-            <a:schemeClr val="accent1"/>
-          </a:fillRef>
-          <a:effectRef idx="0">
-            <a:schemeClr val="accent1"/>
-          </a:effectRef>
-          <a:fontRef idx="minor">
-            <a:schemeClr val="lt1"/>
-          </a:fontRef>
-        </p:style>
-        <p:txBody>
-          <a:bodyPr rtlCol="0" anchor="ctr"/>
-          <a:lstStyle/>
-          <a:p>
-            <a:pPr algn="ctr"/>
-            <a:r>
-              <a:rPr lang="de-DE" sz="1300" b="1" dirty="0" err="1"/>
-              <a:t>Socially</a:t>
-            </a:r>
-            <a:r>
-              <a:rPr lang="de-DE" sz="1300" b="1" dirty="0"/>
-              <a:t> </a:t>
-            </a:r>
-            <a:r>
-              <a:rPr lang="de-DE" sz="1300" b="1" dirty="0" err="1"/>
-              <a:t>Assistive</a:t>
-            </a:r>
-            <a:r>
-              <a:rPr lang="de-DE" sz="1300" b="1" dirty="0"/>
-              <a:t> Robot</a:t>
-            </a:r>
-          </a:p>
-        </p:txBody>
-      </p:sp>
-      <p:pic>
-        <p:nvPicPr>
-          <p:cNvPr id="11" name="Grafik 10">
-            <a:extLst>
-              <a:ext uri="{FF2B5EF4-FFF2-40B4-BE49-F238E27FC236}">
-                <a16:creationId xmlns:a16="http://schemas.microsoft.com/office/drawing/2014/main" id="{60152226-14B7-024C-0ED7-D0DBB4D6293E}"/>
-              </a:ext>
-            </a:extLst>
-          </p:cNvPr>
-          <p:cNvPicPr>
-            <a:picLocks noChangeAspect="1"/>
-          </p:cNvPicPr>
-          <p:nvPr/>
-        </p:nvPicPr>
-        <p:blipFill>
-          <a:blip r:embed="rId3"/>
-          <a:stretch>
-            <a:fillRect/>
-          </a:stretch>
-        </p:blipFill>
-        <p:spPr>
-          <a:xfrm>
-            <a:off x="5236101" y="3398553"/>
-            <a:ext cx="1089791" cy="771287"/>
+            <a:off x="930351" y="1096923"/>
+            <a:ext cx="3174925" cy="491378"/>
           </a:xfrm>
           <a:prstGeom prst="rect">
             <a:avLst/>
           </a:prstGeom>
-        </p:spPr>
-      </p:pic>
-      <p:pic>
-        <p:nvPicPr>
-          <p:cNvPr id="12" name="Grafik 11">
-            <a:extLst>
-              <a:ext uri="{FF2B5EF4-FFF2-40B4-BE49-F238E27FC236}">
-                <a16:creationId xmlns:a16="http://schemas.microsoft.com/office/drawing/2014/main" id="{320FE759-0F55-BF07-A62C-4FE983B40905}"/>
-              </a:ext>
-            </a:extLst>
-          </p:cNvPr>
-          <p:cNvPicPr>
-            <a:picLocks noChangeAspect="1"/>
-          </p:cNvPicPr>
-          <p:nvPr/>
-        </p:nvPicPr>
-        <p:blipFill>
-          <a:blip r:embed="rId4"/>
-          <a:stretch>
-            <a:fillRect/>
-          </a:stretch>
-        </p:blipFill>
-        <p:spPr>
-          <a:xfrm>
-            <a:off x="3361934" y="1898092"/>
-            <a:ext cx="343166" cy="464283"/>
-          </a:xfrm>
-          <a:prstGeom prst="rect">
-            <a:avLst/>
-          </a:prstGeom>
-        </p:spPr>
-      </p:pic>
-      <p:pic>
-        <p:nvPicPr>
-          <p:cNvPr id="13" name="Grafik 12">
-            <a:extLst>
-              <a:ext uri="{FF2B5EF4-FFF2-40B4-BE49-F238E27FC236}">
-                <a16:creationId xmlns:a16="http://schemas.microsoft.com/office/drawing/2014/main" id="{9B66B38A-7EB7-1A3C-6FCA-41C01389A182}"/>
-              </a:ext>
-            </a:extLst>
-          </p:cNvPr>
-          <p:cNvPicPr>
-            <a:picLocks noChangeAspect="1"/>
-          </p:cNvPicPr>
-          <p:nvPr/>
-        </p:nvPicPr>
-        <p:blipFill>
-          <a:blip r:embed="rId5"/>
-          <a:stretch>
-            <a:fillRect/>
-          </a:stretch>
-        </p:blipFill>
-        <p:spPr>
-          <a:xfrm>
-            <a:off x="3361934" y="3444598"/>
-            <a:ext cx="254588" cy="562573"/>
-          </a:xfrm>
-          <a:prstGeom prst="rect">
-            <a:avLst/>
-          </a:prstGeom>
-        </p:spPr>
-      </p:pic>
-      <p:pic>
-        <p:nvPicPr>
-          <p:cNvPr id="14" name="Grafik 13">
-            <a:extLst>
-              <a:ext uri="{FF2B5EF4-FFF2-40B4-BE49-F238E27FC236}">
-                <a16:creationId xmlns:a16="http://schemas.microsoft.com/office/drawing/2014/main" id="{461FF106-609D-728A-4935-DF951923AA42}"/>
-              </a:ext>
-            </a:extLst>
-          </p:cNvPr>
-          <p:cNvPicPr>
-            <a:picLocks noChangeAspect="1"/>
-          </p:cNvPicPr>
-          <p:nvPr/>
-        </p:nvPicPr>
-        <p:blipFill>
-          <a:blip r:embed="rId3"/>
-          <a:stretch>
-            <a:fillRect/>
-          </a:stretch>
-        </p:blipFill>
-        <p:spPr>
-          <a:xfrm>
-            <a:off x="5203576" y="1976731"/>
-            <a:ext cx="1089790" cy="771287"/>
-          </a:xfrm>
-          <a:prstGeom prst="rect">
-            <a:avLst/>
-          </a:prstGeom>
-        </p:spPr>
-      </p:pic>
-      <p:sp>
-        <p:nvSpPr>
-          <p:cNvPr id="15" name="Abgerundetes Rechteck 14">
-            <a:extLst>
-              <a:ext uri="{FF2B5EF4-FFF2-40B4-BE49-F238E27FC236}">
-                <a16:creationId xmlns:a16="http://schemas.microsoft.com/office/drawing/2014/main" id="{87EF785D-59D2-8596-750C-67AC34EB0232}"/>
-              </a:ext>
-            </a:extLst>
-          </p:cNvPr>
-          <p:cNvSpPr/>
-          <p:nvPr/>
-        </p:nvSpPr>
-        <p:spPr>
-          <a:xfrm>
-            <a:off x="5407199" y="2802344"/>
-            <a:ext cx="1089790" cy="466992"/>
-          </a:xfrm>
-          <a:prstGeom prst="roundRect">
-            <a:avLst/>
-          </a:prstGeom>
           <a:noFill/>
-          <a:ln>
+          <a:ln w="6350">
             <a:solidFill>
-              <a:schemeClr val="tx1">
-                <a:lumMod val="95000"/>
-                <a:lumOff val="5000"/>
-              </a:schemeClr>
+              <a:schemeClr val="tx2"/>
             </a:solidFill>
           </a:ln>
         </p:spPr>
@@ -4567,27 +4359,47 @@
           </a:fontRef>
         </p:style>
         <p:txBody>
-          <a:bodyPr rtlCol="0" anchor="ctr"/>
-          <a:lstStyle/>
-          <a:p>
-            <a:pPr algn="ctr"/>
-            <a:r>
-              <a:rPr lang="de-DE" sz="1500" b="1" dirty="0">
+          <a:bodyPr rtlCol="0" anchor="t"/>
+          <a:lstStyle/>
+          <a:p>
+            <a:r>
+              <a:rPr lang="en-US" sz="1400" b="1" dirty="0" err="1">
                 <a:solidFill>
-                  <a:schemeClr val="tx1"/>
+                  <a:srgbClr val="000000"/>
                 </a:solidFill>
               </a:rPr>
-              <a:t>Draw CAM </a:t>
-            </a:r>
-          </a:p>
-        </p:txBody>
-      </p:sp>
-      <p:sp>
-        <p:nvSpPr>
-          <p:cNvPr id="16" name="Rechteck 15">
-            <a:extLst>
-              <a:ext uri="{FF2B5EF4-FFF2-40B4-BE49-F238E27FC236}">
-                <a16:creationId xmlns:a16="http://schemas.microsoft.com/office/drawing/2014/main" id="{DFEFB96B-9DE2-526C-8B38-9999C58A388F}"/>
+              <a:t>topicCategory</a:t>
+            </a:r>
+            <a:r>
+              <a:rPr lang="en-US" sz="1400" b="1" dirty="0">
+                <a:solidFill>
+                  <a:srgbClr val="000000"/>
+                </a:solidFill>
+              </a:rPr>
+              <a:t>: </a:t>
+            </a:r>
+            <a:r>
+              <a:rPr lang="en-US" sz="1400" dirty="0">
+                <a:solidFill>
+                  <a:srgbClr val="000000"/>
+                </a:solidFill>
+              </a:rPr>
+              <a:t>the title of the respective category</a:t>
+            </a:r>
+            <a:endParaRPr lang="en-US" sz="1400" b="1" dirty="0">
+              <a:solidFill>
+                <a:srgbClr val="000000"/>
+              </a:solidFill>
+            </a:endParaRPr>
+          </a:p>
+        </p:txBody>
+      </p:sp>
+      <p:sp>
+        <p:nvSpPr>
+          <p:cNvPr id="50" name="Rechteck 49">
+            <a:extLst>
+              <a:ext uri="{FF2B5EF4-FFF2-40B4-BE49-F238E27FC236}">
+                <a16:creationId xmlns:a16="http://schemas.microsoft.com/office/drawing/2014/main" id="{97D01F3C-6949-4BA4-9DEB-4393F0332A24}"/>
               </a:ext>
             </a:extLst>
           </p:cNvPr>
@@ -4596,218 +4408,16 @@
         </p:nvSpPr>
         <p:spPr>
           <a:xfrm>
-            <a:off x="5386379" y="3381014"/>
-            <a:ext cx="187874" cy="121838"/>
+            <a:off x="930351" y="1668423"/>
+            <a:ext cx="3174926" cy="491378"/>
           </a:xfrm>
           <a:prstGeom prst="rect">
             <a:avLst/>
           </a:prstGeom>
           <a:noFill/>
-          <a:ln w="15875">
+          <a:ln w="6350">
             <a:solidFill>
-              <a:srgbClr val="C00000"/>
-            </a:solidFill>
-          </a:ln>
-        </p:spPr>
-        <p:style>
-          <a:lnRef idx="2">
-            <a:schemeClr val="accent6"/>
-          </a:lnRef>
-          <a:fillRef idx="1">
-            <a:schemeClr val="lt1"/>
-          </a:fillRef>
-          <a:effectRef idx="0">
-            <a:schemeClr val="accent6"/>
-          </a:effectRef>
-          <a:fontRef idx="minor">
-            <a:schemeClr val="dk1"/>
-          </a:fontRef>
-        </p:style>
-        <p:txBody>
-          <a:bodyPr rtlCol="0" anchor="ctr"/>
-          <a:lstStyle/>
-          <a:p>
-            <a:pPr algn="ctr"/>
-            <a:endParaRPr lang="de-DE" dirty="0">
-              <a:solidFill>
-                <a:srgbClr val="C00000"/>
-              </a:solidFill>
-              <a:highlight>
-                <a:srgbClr val="FF0000"/>
-              </a:highlight>
-            </a:endParaRPr>
-          </a:p>
-        </p:txBody>
-      </p:sp>
-      <p:sp>
-        <p:nvSpPr>
-          <p:cNvPr id="18" name="Pfeil nach rechts 17">
-            <a:extLst>
-              <a:ext uri="{FF2B5EF4-FFF2-40B4-BE49-F238E27FC236}">
-                <a16:creationId xmlns:a16="http://schemas.microsoft.com/office/drawing/2014/main" id="{E8DD8C98-149B-5426-C523-0129D3AF4425}"/>
-              </a:ext>
-            </a:extLst>
-          </p:cNvPr>
-          <p:cNvSpPr/>
-          <p:nvPr/>
-        </p:nvSpPr>
-        <p:spPr>
-          <a:xfrm>
-            <a:off x="6760179" y="2408024"/>
-            <a:ext cx="1584323" cy="447953"/>
-          </a:xfrm>
-          <a:prstGeom prst="rightArrow">
-            <a:avLst>
-              <a:gd name="adj1" fmla="val 60000"/>
-              <a:gd name="adj2" fmla="val 50000"/>
-            </a:avLst>
-          </a:prstGeom>
-          <a:ln>
-            <a:solidFill>
-              <a:schemeClr val="tx1">
-                <a:lumMod val="95000"/>
-                <a:lumOff val="5000"/>
-              </a:schemeClr>
-            </a:solidFill>
-          </a:ln>
-        </p:spPr>
-        <p:style>
-          <a:lnRef idx="0">
-            <a:schemeClr val="accent1">
-              <a:tint val="60000"/>
-              <a:hueOff val="0"/>
-              <a:satOff val="0"/>
-              <a:lumOff val="0"/>
-              <a:alphaOff val="0"/>
-            </a:schemeClr>
-          </a:lnRef>
-          <a:fillRef idx="1">
-            <a:schemeClr val="accent1">
-              <a:tint val="60000"/>
-              <a:hueOff val="0"/>
-              <a:satOff val="0"/>
-              <a:lumOff val="0"/>
-              <a:alphaOff val="0"/>
-            </a:schemeClr>
-          </a:fillRef>
-          <a:effectRef idx="0">
-            <a:schemeClr val="accent1">
-              <a:tint val="60000"/>
-              <a:hueOff val="0"/>
-              <a:satOff val="0"/>
-              <a:lumOff val="0"/>
-              <a:alphaOff val="0"/>
-            </a:schemeClr>
-          </a:effectRef>
-          <a:fontRef idx="minor">
-            <a:schemeClr val="lt1"/>
-          </a:fontRef>
-        </p:style>
-        <p:txBody>
-          <a:bodyPr/>
-          <a:lstStyle/>
-          <a:p>
-            <a:pPr algn="ctr"/>
-            <a:r>
-              <a:rPr lang="de-DE" sz="1300" b="1" dirty="0">
-                <a:solidFill>
-                  <a:schemeClr val="tx1"/>
-                </a:solidFill>
-              </a:rPr>
-              <a:t>Intervention</a:t>
-            </a:r>
-          </a:p>
-        </p:txBody>
-      </p:sp>
-      <p:sp>
-        <p:nvSpPr>
-          <p:cNvPr id="19" name="Abgerundetes Rechteck 18">
-            <a:extLst>
-              <a:ext uri="{FF2B5EF4-FFF2-40B4-BE49-F238E27FC236}">
-                <a16:creationId xmlns:a16="http://schemas.microsoft.com/office/drawing/2014/main" id="{F117D805-1119-A1F1-08CC-C65EEB0A3C05}"/>
-              </a:ext>
-            </a:extLst>
-          </p:cNvPr>
-          <p:cNvSpPr/>
-          <p:nvPr/>
-        </p:nvSpPr>
-        <p:spPr>
-          <a:xfrm>
-            <a:off x="6900750" y="2762909"/>
-            <a:ext cx="1219200" cy="595905"/>
-          </a:xfrm>
-          <a:prstGeom prst="roundRect">
-            <a:avLst/>
-          </a:prstGeom>
-        </p:spPr>
-        <p:style>
-          <a:lnRef idx="2">
-            <a:schemeClr val="accent1">
-              <a:shade val="15000"/>
-            </a:schemeClr>
-          </a:lnRef>
-          <a:fillRef idx="1">
-            <a:schemeClr val="accent1"/>
-          </a:fillRef>
-          <a:effectRef idx="0">
-            <a:schemeClr val="accent1"/>
-          </a:effectRef>
-          <a:fontRef idx="minor">
-            <a:schemeClr val="lt1"/>
-          </a:fontRef>
-        </p:style>
-        <p:txBody>
-          <a:bodyPr rtlCol="0" anchor="ctr"/>
-          <a:lstStyle/>
-          <a:p>
-            <a:pPr algn="ctr"/>
-            <a:r>
-              <a:rPr lang="de-DE" sz="1300" b="1" dirty="0"/>
-              <a:t>Add </a:t>
-            </a:r>
-            <a:r>
-              <a:rPr lang="de-DE" sz="1300" b="1" dirty="0" err="1"/>
-              <a:t>information</a:t>
-            </a:r>
-            <a:r>
-              <a:rPr lang="de-DE" sz="1300" b="1" dirty="0"/>
-              <a:t> on soft </a:t>
-            </a:r>
-            <a:r>
-              <a:rPr lang="de-DE" sz="1300" b="1" dirty="0" err="1"/>
-              <a:t>robot</a:t>
-            </a:r>
-            <a:endParaRPr lang="de-DE" sz="1300" b="1" dirty="0"/>
-          </a:p>
-        </p:txBody>
-      </p:sp>
-      <p:sp>
-        <p:nvSpPr>
-          <p:cNvPr id="20" name="Abgerundetes Rechteck 19">
-            <a:extLst>
-              <a:ext uri="{FF2B5EF4-FFF2-40B4-BE49-F238E27FC236}">
-                <a16:creationId xmlns:a16="http://schemas.microsoft.com/office/drawing/2014/main" id="{4A818560-9891-7109-D065-3B3737A8DD1B}"/>
-              </a:ext>
-            </a:extLst>
-          </p:cNvPr>
-          <p:cNvSpPr/>
-          <p:nvPr/>
-        </p:nvSpPr>
-        <p:spPr>
-          <a:xfrm>
-            <a:off x="8796769" y="2762909"/>
-            <a:ext cx="1219199" cy="545862"/>
-          </a:xfrm>
-          <a:prstGeom prst="roundRect">
-            <a:avLst/>
-          </a:prstGeom>
-          <a:noFill/>
-          <a:ln>
-            <a:solidFill>
-              <a:schemeClr val="tx1">
-                <a:lumMod val="95000"/>
-                <a:lumOff val="5000"/>
-              </a:schemeClr>
+              <a:schemeClr val="tx2"/>
             </a:solidFill>
           </a:ln>
         </p:spPr>
@@ -4828,288 +4438,118 @@
           </a:fontRef>
         </p:style>
         <p:txBody>
-          <a:bodyPr rtlCol="0" anchor="ctr"/>
-          <a:lstStyle/>
-          <a:p>
-            <a:pPr algn="ctr"/>
-            <a:r>
-              <a:rPr lang="de-DE" sz="1500" b="1" dirty="0" err="1">
+          <a:bodyPr rtlCol="0" anchor="t"/>
+          <a:lstStyle/>
+          <a:p>
+            <a:r>
+              <a:rPr lang="en-US" sz="1400" b="1" dirty="0" err="1">
                 <a:solidFill>
-                  <a:schemeClr val="tx1"/>
+                  <a:srgbClr val="000000"/>
                 </a:solidFill>
               </a:rPr>
-              <a:t>Adjust</a:t>
-            </a:r>
-            <a:r>
-              <a:rPr lang="de-DE" sz="1500" b="1" dirty="0">
+              <a:t>topicCategoryDetails</a:t>
+            </a:r>
+            <a:r>
+              <a:rPr lang="en-US" sz="1400" b="1" dirty="0">
                 <a:solidFill>
-                  <a:schemeClr val="tx1"/>
+                  <a:srgbClr val="000000"/>
                 </a:solidFill>
               </a:rPr>
-              <a:t> </a:t>
-            </a:r>
-            <a:r>
-              <a:rPr lang="de-DE" sz="1500" b="1" dirty="0" err="1">
+              <a:t>: </a:t>
+            </a:r>
+            <a:r>
+              <a:rPr lang="en-US" sz="1400" dirty="0">
                 <a:solidFill>
-                  <a:schemeClr val="tx1"/>
+                  <a:srgbClr val="000000"/>
                 </a:solidFill>
               </a:rPr>
-              <a:t>drawn</a:t>
-            </a:r>
-            <a:r>
-              <a:rPr lang="de-DE" sz="1500" b="1" dirty="0">
-                <a:solidFill>
-                  <a:schemeClr val="tx1"/>
-                </a:solidFill>
-              </a:rPr>
-              <a:t> CAM </a:t>
-            </a:r>
-          </a:p>
-        </p:txBody>
-      </p:sp>
-      <p:pic>
-        <p:nvPicPr>
-          <p:cNvPr id="21" name="Grafik 20">
-            <a:extLst>
-              <a:ext uri="{FF2B5EF4-FFF2-40B4-BE49-F238E27FC236}">
-                <a16:creationId xmlns:a16="http://schemas.microsoft.com/office/drawing/2014/main" id="{04E004ED-A04C-E207-84FE-E6CD0C42B27B}"/>
-              </a:ext>
-            </a:extLst>
-          </p:cNvPr>
-          <p:cNvPicPr>
-            <a:picLocks noChangeAspect="1"/>
-          </p:cNvPicPr>
+              <a:t>the definition of the respective category</a:t>
+            </a:r>
+            <a:endParaRPr lang="en-US" sz="1400" b="1" dirty="0">
+              <a:solidFill>
+                <a:srgbClr val="000000"/>
+              </a:solidFill>
+            </a:endParaRPr>
+          </a:p>
+        </p:txBody>
+      </p:sp>
+      <p:sp>
+        <p:nvSpPr>
+          <p:cNvPr id="51" name="Rechteck 50">
+            <a:extLst>
+              <a:ext uri="{FF2B5EF4-FFF2-40B4-BE49-F238E27FC236}">
+                <a16:creationId xmlns:a16="http://schemas.microsoft.com/office/drawing/2014/main" id="{4994A0D2-9299-4CD3-AC8B-F2533F99246F}"/>
+              </a:ext>
+            </a:extLst>
+          </p:cNvPr>
+          <p:cNvSpPr/>
           <p:nvPr/>
-        </p:nvPicPr>
-        <p:blipFill>
-          <a:blip r:embed="rId6"/>
-          <a:stretch>
-            <a:fillRect/>
-          </a:stretch>
-        </p:blipFill>
+        </p:nvSpPr>
         <p:spPr>
           <a:xfrm>
-            <a:off x="8616380" y="3446453"/>
-            <a:ext cx="1133726" cy="771287"/>
-          </a:xfrm>
-          <a:prstGeom prst="rect">
-            <a:avLst/>
-          </a:prstGeom>
-        </p:spPr>
-      </p:pic>
-      <p:pic>
-        <p:nvPicPr>
-          <p:cNvPr id="22" name="Grafik 21">
-            <a:extLst>
-              <a:ext uri="{FF2B5EF4-FFF2-40B4-BE49-F238E27FC236}">
-                <a16:creationId xmlns:a16="http://schemas.microsoft.com/office/drawing/2014/main" id="{0A7A11B8-8FDA-E8EB-DEFC-4A5C1BAB6014}"/>
-              </a:ext>
-            </a:extLst>
-          </p:cNvPr>
-          <p:cNvPicPr>
-            <a:picLocks noChangeAspect="1"/>
-          </p:cNvPicPr>
-          <p:nvPr/>
-        </p:nvPicPr>
-        <p:blipFill>
-          <a:blip r:embed="rId6"/>
-          <a:stretch>
-            <a:fillRect/>
-          </a:stretch>
-        </p:blipFill>
-        <p:spPr>
-          <a:xfrm>
-            <a:off x="8508860" y="1922157"/>
-            <a:ext cx="1133726" cy="771287"/>
-          </a:xfrm>
-          <a:prstGeom prst="rect">
-            <a:avLst/>
-          </a:prstGeom>
-        </p:spPr>
-      </p:pic>
-      <p:pic>
-        <p:nvPicPr>
-          <p:cNvPr id="23" name="Grafik 22">
-            <a:extLst>
-              <a:ext uri="{FF2B5EF4-FFF2-40B4-BE49-F238E27FC236}">
-                <a16:creationId xmlns:a16="http://schemas.microsoft.com/office/drawing/2014/main" id="{3FDC174D-7F22-7598-5130-40534C085106}"/>
-              </a:ext>
-            </a:extLst>
-          </p:cNvPr>
-          <p:cNvPicPr>
-            <a:picLocks noChangeAspect="1"/>
-          </p:cNvPicPr>
-          <p:nvPr/>
-        </p:nvPicPr>
-        <p:blipFill>
-          <a:blip r:embed="rId5"/>
-          <a:stretch>
-            <a:fillRect/>
-          </a:stretch>
-        </p:blipFill>
-        <p:spPr>
-          <a:xfrm>
-            <a:off x="5133930" y="3074345"/>
-            <a:ext cx="161048" cy="355874"/>
-          </a:xfrm>
-          <a:prstGeom prst="rect">
-            <a:avLst/>
-          </a:prstGeom>
-        </p:spPr>
-      </p:pic>
-      <p:pic>
-        <p:nvPicPr>
-          <p:cNvPr id="24" name="Grafik 23">
-            <a:extLst>
-              <a:ext uri="{FF2B5EF4-FFF2-40B4-BE49-F238E27FC236}">
-                <a16:creationId xmlns:a16="http://schemas.microsoft.com/office/drawing/2014/main" id="{78922A2F-5C47-F194-8838-549109B88534}"/>
-              </a:ext>
-            </a:extLst>
-          </p:cNvPr>
-          <p:cNvPicPr>
-            <a:picLocks noChangeAspect="1"/>
-          </p:cNvPicPr>
-          <p:nvPr/>
-        </p:nvPicPr>
-        <p:blipFill>
-          <a:blip r:embed="rId4"/>
-          <a:stretch>
-            <a:fillRect/>
-          </a:stretch>
-        </p:blipFill>
-        <p:spPr>
-          <a:xfrm flipH="1">
-            <a:off x="5106933" y="2738426"/>
-            <a:ext cx="215041" cy="290937"/>
-          </a:xfrm>
-          <a:prstGeom prst="rect">
-            <a:avLst/>
-          </a:prstGeom>
-        </p:spPr>
-      </p:pic>
-      <p:pic>
-        <p:nvPicPr>
-          <p:cNvPr id="25" name="Grafik 24">
-            <a:extLst>
-              <a:ext uri="{FF2B5EF4-FFF2-40B4-BE49-F238E27FC236}">
-                <a16:creationId xmlns:a16="http://schemas.microsoft.com/office/drawing/2014/main" id="{7627E74F-D002-57F5-7CDD-B9458A5C0EB5}"/>
-              </a:ext>
-            </a:extLst>
-          </p:cNvPr>
-          <p:cNvPicPr>
-            <a:picLocks noChangeAspect="1"/>
-          </p:cNvPicPr>
-          <p:nvPr/>
-        </p:nvPicPr>
-        <p:blipFill>
-          <a:blip r:embed="rId5"/>
-          <a:stretch>
-            <a:fillRect/>
-          </a:stretch>
-        </p:blipFill>
-        <p:spPr>
-          <a:xfrm>
-            <a:off x="8535857" y="3074345"/>
-            <a:ext cx="161048" cy="355874"/>
-          </a:xfrm>
-          <a:prstGeom prst="rect">
-            <a:avLst/>
-          </a:prstGeom>
-        </p:spPr>
-      </p:pic>
-      <p:pic>
-        <p:nvPicPr>
-          <p:cNvPr id="26" name="Grafik 25">
-            <a:extLst>
-              <a:ext uri="{FF2B5EF4-FFF2-40B4-BE49-F238E27FC236}">
-                <a16:creationId xmlns:a16="http://schemas.microsoft.com/office/drawing/2014/main" id="{B66AE45D-5020-ACC4-C7EC-8F7F175B6745}"/>
-              </a:ext>
-            </a:extLst>
-          </p:cNvPr>
-          <p:cNvPicPr>
-            <a:picLocks noChangeAspect="1"/>
-          </p:cNvPicPr>
-          <p:nvPr/>
-        </p:nvPicPr>
-        <p:blipFill>
-          <a:blip r:embed="rId4"/>
-          <a:stretch>
-            <a:fillRect/>
-          </a:stretch>
-        </p:blipFill>
-        <p:spPr>
-          <a:xfrm flipH="1">
-            <a:off x="8508860" y="2738426"/>
-            <a:ext cx="215041" cy="290937"/>
-          </a:xfrm>
-          <a:prstGeom prst="rect">
-            <a:avLst/>
-          </a:prstGeom>
-        </p:spPr>
-      </p:pic>
-      <p:sp>
-        <p:nvSpPr>
-          <p:cNvPr id="28" name="Rechteck 27">
-            <a:extLst>
-              <a:ext uri="{FF2B5EF4-FFF2-40B4-BE49-F238E27FC236}">
-                <a16:creationId xmlns:a16="http://schemas.microsoft.com/office/drawing/2014/main" id="{31D7AC22-C08A-7949-2CF3-224059A15462}"/>
-              </a:ext>
-            </a:extLst>
-          </p:cNvPr>
-          <p:cNvSpPr/>
-          <p:nvPr/>
-        </p:nvSpPr>
-        <p:spPr>
-          <a:xfrm>
-            <a:off x="9490717" y="2477973"/>
-            <a:ext cx="151869" cy="127168"/>
+            <a:off x="930350" y="525423"/>
+            <a:ext cx="3174925" cy="491378"/>
           </a:xfrm>
           <a:prstGeom prst="rect">
             <a:avLst/>
           </a:prstGeom>
           <a:noFill/>
-          <a:ln w="15875">
+          <a:ln w="6350">
             <a:solidFill>
-              <a:srgbClr val="C00000"/>
+              <a:schemeClr val="tx2"/>
             </a:solidFill>
           </a:ln>
         </p:spPr>
         <p:style>
           <a:lnRef idx="2">
-            <a:schemeClr val="accent6"/>
+            <a:schemeClr val="accent1">
+              <a:shade val="15000"/>
+            </a:schemeClr>
           </a:lnRef>
           <a:fillRef idx="1">
-            <a:schemeClr val="lt1"/>
+            <a:schemeClr val="accent1"/>
           </a:fillRef>
           <a:effectRef idx="0">
-            <a:schemeClr val="accent6"/>
+            <a:schemeClr val="accent1"/>
           </a:effectRef>
           <a:fontRef idx="minor">
-            <a:schemeClr val="dk1"/>
+            <a:schemeClr val="lt1"/>
           </a:fontRef>
         </p:style>
         <p:txBody>
-          <a:bodyPr rtlCol="0" anchor="ctr"/>
-          <a:lstStyle/>
-          <a:p>
-            <a:pPr algn="ctr"/>
-            <a:endParaRPr lang="de-DE" dirty="0">
+          <a:bodyPr rtlCol="0" anchor="t"/>
+          <a:lstStyle/>
+          <a:p>
+            <a:r>
+              <a:rPr lang="en-US" sz="1400" b="1" dirty="0">
+                <a:solidFill>
+                  <a:srgbClr val="000000"/>
+                </a:solidFill>
+              </a:rPr>
+              <a:t>robots: </a:t>
+            </a:r>
+            <a:r>
+              <a:rPr lang="en-US" sz="1400" dirty="0">
+                <a:solidFill>
+                  <a:srgbClr val="000000"/>
+                </a:solidFill>
+              </a:rPr>
+              <a:t>the respective robot (SAR or RR)</a:t>
+            </a:r>
+            <a:endParaRPr lang="en-US" sz="1400" b="1" dirty="0">
               <a:solidFill>
-                <a:srgbClr val="C00000"/>
+                <a:srgbClr val="000000"/>
               </a:solidFill>
-              <a:highlight>
-                <a:srgbClr val="FF0000"/>
-              </a:highlight>
             </a:endParaRPr>
           </a:p>
         </p:txBody>
       </p:sp>
       <p:sp>
         <p:nvSpPr>
-          <p:cNvPr id="29" name="Rechteck 28">
-            <a:extLst>
-              <a:ext uri="{FF2B5EF4-FFF2-40B4-BE49-F238E27FC236}">
-                <a16:creationId xmlns:a16="http://schemas.microsoft.com/office/drawing/2014/main" id="{FAA7F7EF-E5AC-B1E5-C65D-69C1140C07C0}"/>
+          <p:cNvPr id="52" name="Rechteck 51">
+            <a:extLst>
+              <a:ext uri="{FF2B5EF4-FFF2-40B4-BE49-F238E27FC236}">
+                <a16:creationId xmlns:a16="http://schemas.microsoft.com/office/drawing/2014/main" id="{CD6EA60B-FDDA-4B6E-9B22-CBA4460FA371}"/>
               </a:ext>
             </a:extLst>
           </p:cNvPr>
@@ -5118,55 +4558,69 @@
         </p:nvSpPr>
         <p:spPr>
           <a:xfrm>
-            <a:off x="8644899" y="3880003"/>
-            <a:ext cx="151869" cy="127168"/>
+            <a:off x="930349" y="2239923"/>
+            <a:ext cx="3174926" cy="491378"/>
           </a:xfrm>
           <a:prstGeom prst="rect">
             <a:avLst/>
           </a:prstGeom>
           <a:noFill/>
-          <a:ln w="15875">
+          <a:ln w="6350">
             <a:solidFill>
-              <a:srgbClr val="C00000"/>
+              <a:schemeClr val="tx2"/>
             </a:solidFill>
           </a:ln>
         </p:spPr>
         <p:style>
           <a:lnRef idx="2">
-            <a:schemeClr val="accent6"/>
+            <a:schemeClr val="accent1">
+              <a:shade val="15000"/>
+            </a:schemeClr>
           </a:lnRef>
           <a:fillRef idx="1">
-            <a:schemeClr val="lt1"/>
+            <a:schemeClr val="accent1"/>
           </a:fillRef>
           <a:effectRef idx="0">
-            <a:schemeClr val="accent6"/>
+            <a:schemeClr val="accent1"/>
           </a:effectRef>
           <a:fontRef idx="minor">
-            <a:schemeClr val="dk1"/>
+            <a:schemeClr val="lt1"/>
           </a:fontRef>
         </p:style>
         <p:txBody>
-          <a:bodyPr rtlCol="0" anchor="ctr"/>
-          <a:lstStyle/>
-          <a:p>
-            <a:pPr algn="ctr"/>
-            <a:endParaRPr lang="de-DE" dirty="0">
+          <a:bodyPr rtlCol="0" anchor="t"/>
+          <a:lstStyle/>
+          <a:p>
+            <a:r>
+              <a:rPr lang="en-US" sz="1400" b="1" dirty="0">
+                <a:solidFill>
+                  <a:srgbClr val="000000"/>
+                </a:solidFill>
+              </a:rPr>
+              <a:t>rigid: </a:t>
+            </a:r>
+            <a:r>
+              <a:rPr lang="en-US" sz="1400" dirty="0">
+                <a:solidFill>
+                  <a:srgbClr val="000000"/>
+                </a:solidFill>
+              </a:rPr>
+              <a:t>dictionary containing the drawn “constant” concepts (and comments)</a:t>
+            </a:r>
+            <a:endParaRPr lang="en-US" sz="1400" b="1" dirty="0">
               <a:solidFill>
-                <a:srgbClr val="C00000"/>
+                <a:srgbClr val="000000"/>
               </a:solidFill>
-              <a:highlight>
-                <a:srgbClr val="FF0000"/>
-              </a:highlight>
             </a:endParaRPr>
           </a:p>
         </p:txBody>
       </p:sp>
       <p:sp>
         <p:nvSpPr>
-          <p:cNvPr id="30" name="Rechteck 29">
-            <a:extLst>
-              <a:ext uri="{FF2B5EF4-FFF2-40B4-BE49-F238E27FC236}">
-                <a16:creationId xmlns:a16="http://schemas.microsoft.com/office/drawing/2014/main" id="{6D2D9C48-A8C4-AB2A-CA52-7299BDF5E753}"/>
+          <p:cNvPr id="53" name="Rechteck 52">
+            <a:extLst>
+              <a:ext uri="{FF2B5EF4-FFF2-40B4-BE49-F238E27FC236}">
+                <a16:creationId xmlns:a16="http://schemas.microsoft.com/office/drawing/2014/main" id="{A18E7F13-A3C3-47B3-A5E7-72B594508B62}"/>
               </a:ext>
             </a:extLst>
           </p:cNvPr>
@@ -5175,373 +4629,56 @@
         </p:nvSpPr>
         <p:spPr>
           <a:xfrm>
-            <a:off x="9598237" y="4007171"/>
-            <a:ext cx="151869" cy="127168"/>
+            <a:off x="930349" y="2811423"/>
+            <a:ext cx="3174926" cy="491378"/>
           </a:xfrm>
           <a:prstGeom prst="rect">
             <a:avLst/>
           </a:prstGeom>
           <a:noFill/>
-          <a:ln w="15875">
+          <a:ln w="6350">
             <a:solidFill>
-              <a:srgbClr val="C00000"/>
+              <a:schemeClr val="tx2"/>
             </a:solidFill>
           </a:ln>
         </p:spPr>
         <p:style>
           <a:lnRef idx="2">
-            <a:schemeClr val="accent6"/>
+            <a:schemeClr val="accent1">
+              <a:shade val="15000"/>
+            </a:schemeClr>
           </a:lnRef>
           <a:fillRef idx="1">
-            <a:schemeClr val="lt1"/>
+            <a:schemeClr val="accent1"/>
           </a:fillRef>
           <a:effectRef idx="0">
-            <a:schemeClr val="accent6"/>
+            <a:schemeClr val="accent1"/>
           </a:effectRef>
           <a:fontRef idx="minor">
-            <a:schemeClr val="dk1"/>
+            <a:schemeClr val="lt1"/>
           </a:fontRef>
         </p:style>
         <p:txBody>
-          <a:bodyPr rtlCol="0" anchor="ctr"/>
-          <a:lstStyle/>
-          <a:p>
-            <a:pPr algn="ctr"/>
-            <a:endParaRPr lang="de-DE" dirty="0">
-              <a:solidFill>
-                <a:srgbClr val="C00000"/>
-              </a:solidFill>
-              <a:highlight>
-                <a:srgbClr val="FF0000"/>
-              </a:highlight>
-            </a:endParaRPr>
-          </a:p>
-        </p:txBody>
-      </p:sp>
-      <p:sp>
-        <p:nvSpPr>
-          <p:cNvPr id="31" name="Rechteck 30">
-            <a:extLst>
-              <a:ext uri="{FF2B5EF4-FFF2-40B4-BE49-F238E27FC236}">
-                <a16:creationId xmlns:a16="http://schemas.microsoft.com/office/drawing/2014/main" id="{49A44635-0720-E09D-57F1-DA294C40AD53}"/>
-              </a:ext>
-            </a:extLst>
-          </p:cNvPr>
-          <p:cNvSpPr/>
-          <p:nvPr/>
-        </p:nvSpPr>
-        <p:spPr>
-          <a:xfrm flipH="1">
-            <a:off x="5343067" y="1922157"/>
-            <a:ext cx="231186" cy="206338"/>
-          </a:xfrm>
-          <a:prstGeom prst="rect">
-            <a:avLst/>
-          </a:prstGeom>
-          <a:noFill/>
-          <a:ln w="15875">
-            <a:solidFill>
-              <a:srgbClr val="C00000"/>
-            </a:solidFill>
-          </a:ln>
-        </p:spPr>
-        <p:style>
-          <a:lnRef idx="2">
-            <a:schemeClr val="accent6"/>
-          </a:lnRef>
-          <a:fillRef idx="1">
-            <a:schemeClr val="lt1"/>
-          </a:fillRef>
-          <a:effectRef idx="0">
-            <a:schemeClr val="accent6"/>
-          </a:effectRef>
-          <a:fontRef idx="minor">
-            <a:schemeClr val="dk1"/>
-          </a:fontRef>
-        </p:style>
-        <p:txBody>
-          <a:bodyPr rtlCol="0" anchor="ctr"/>
-          <a:lstStyle/>
-          <a:p>
-            <a:pPr algn="ctr"/>
-            <a:endParaRPr lang="de-DE" dirty="0">
-              <a:solidFill>
-                <a:srgbClr val="C00000"/>
-              </a:solidFill>
-              <a:highlight>
-                <a:srgbClr val="FF0000"/>
-              </a:highlight>
-            </a:endParaRPr>
-          </a:p>
-        </p:txBody>
-      </p:sp>
-      <p:sp>
-        <p:nvSpPr>
-          <p:cNvPr id="32" name="Textfeld 31">
-            <a:extLst>
-              <a:ext uri="{FF2B5EF4-FFF2-40B4-BE49-F238E27FC236}">
-                <a16:creationId xmlns:a16="http://schemas.microsoft.com/office/drawing/2014/main" id="{2D712FEB-86E0-BD35-4BAD-D043E03A0A67}"/>
-              </a:ext>
-            </a:extLst>
-          </p:cNvPr>
-          <p:cNvSpPr txBox="1"/>
-          <p:nvPr/>
-        </p:nvSpPr>
-        <p:spPr>
-          <a:xfrm>
-            <a:off x="724395" y="4762005"/>
-            <a:ext cx="5371605" cy="923330"/>
-          </a:xfrm>
-          <a:prstGeom prst="rect">
-            <a:avLst/>
-          </a:prstGeom>
-          <a:noFill/>
-        </p:spPr>
-        <p:txBody>
-          <a:bodyPr wrap="square" rtlCol="0">
-            <a:spAutoFit/>
-          </a:bodyPr>
-          <a:lstStyle/>
-          <a:p>
-            <a:r>
-              <a:rPr lang="de-DE" dirty="0"/>
-              <a:t>Super grober </a:t>
-            </a:r>
-            <a:r>
-              <a:rPr lang="de-DE" dirty="0" err="1"/>
-              <a:t>Draft</a:t>
-            </a:r>
-            <a:r>
-              <a:rPr lang="de-DE" dirty="0"/>
-              <a:t>, müsste man ggf. anpassen, korrekte CAMs, Pfeile, Hervorhebungen, Größer </a:t>
-            </a:r>
-            <a:r>
-              <a:rPr lang="de-DE" dirty="0" err="1"/>
-              <a:t>Herv</a:t>
-            </a:r>
-            <a:r>
-              <a:rPr lang="de-DE" dirty="0"/>
-              <a:t>. etc. </a:t>
-            </a:r>
-          </a:p>
-        </p:txBody>
-      </p:sp>
-      <p:sp>
-        <p:nvSpPr>
-          <p:cNvPr id="35" name="Rechteck 34">
-            <a:extLst>
-              <a:ext uri="{FF2B5EF4-FFF2-40B4-BE49-F238E27FC236}">
-                <a16:creationId xmlns:a16="http://schemas.microsoft.com/office/drawing/2014/main" id="{357DAACB-F823-FBA9-6B4E-E7DC9B4C4242}"/>
-              </a:ext>
-            </a:extLst>
-          </p:cNvPr>
-          <p:cNvSpPr/>
-          <p:nvPr/>
-        </p:nvSpPr>
-        <p:spPr>
-          <a:xfrm>
-            <a:off x="6138018" y="3638526"/>
-            <a:ext cx="187874" cy="121838"/>
-          </a:xfrm>
-          <a:prstGeom prst="rect">
-            <a:avLst/>
-          </a:prstGeom>
-          <a:noFill/>
-          <a:ln w="15875">
-            <a:solidFill>
-              <a:srgbClr val="C00000"/>
-            </a:solidFill>
-          </a:ln>
-        </p:spPr>
-        <p:style>
-          <a:lnRef idx="2">
-            <a:schemeClr val="accent6"/>
-          </a:lnRef>
-          <a:fillRef idx="1">
-            <a:schemeClr val="lt1"/>
-          </a:fillRef>
-          <a:effectRef idx="0">
-            <a:schemeClr val="accent6"/>
-          </a:effectRef>
-          <a:fontRef idx="minor">
-            <a:schemeClr val="dk1"/>
-          </a:fontRef>
-        </p:style>
-        <p:txBody>
-          <a:bodyPr rtlCol="0" anchor="ctr"/>
-          <a:lstStyle/>
-          <a:p>
-            <a:pPr algn="ctr"/>
-            <a:endParaRPr lang="de-DE" dirty="0">
-              <a:solidFill>
-                <a:srgbClr val="C00000"/>
-              </a:solidFill>
-              <a:highlight>
-                <a:srgbClr val="FF0000"/>
-              </a:highlight>
-            </a:endParaRPr>
-          </a:p>
-        </p:txBody>
-      </p:sp>
-    </p:spTree>
-    <p:extLst>
-      <p:ext uri="{BB962C8B-B14F-4D97-AF65-F5344CB8AC3E}">
-        <p14:creationId xmlns:p14="http://schemas.microsoft.com/office/powerpoint/2010/main" val="1472608623"/>
-      </p:ext>
-    </p:extLst>
-  </p:cSld>
-  <p:clrMapOvr>
-    <a:masterClrMapping/>
-  </p:clrMapOvr>
-</p:sld>
-</file>
-
-<file path=ppt/slides/slide2.xml><?xml version="1.0" encoding="utf-8"?>
-<p:sld xmlns:a="http://schemas.openxmlformats.org/drawingml/2006/main" xmlns:r="http://schemas.openxmlformats.org/officeDocument/2006/relationships" xmlns:p="http://schemas.openxmlformats.org/presentationml/2006/main">
-  <p:cSld>
-    <p:spTree>
-      <p:nvGrpSpPr>
-        <p:cNvPr id="1" name=""/>
-        <p:cNvGrpSpPr/>
-        <p:nvPr/>
-      </p:nvGrpSpPr>
-      <p:grpSpPr>
-        <a:xfrm>
-          <a:off x="0" y="0"/>
-          <a:ext cx="0" cy="0"/>
-          <a:chOff x="0" y="0"/>
-          <a:chExt cx="0" cy="0"/>
-        </a:xfrm>
-      </p:grpSpPr>
-      <p:sp>
-        <p:nvSpPr>
-          <p:cNvPr id="4" name="Datumsplatzhalter 3">
-            <a:extLst>
-              <a:ext uri="{FF2B5EF4-FFF2-40B4-BE49-F238E27FC236}">
-                <a16:creationId xmlns:a16="http://schemas.microsoft.com/office/drawing/2014/main" id="{1E939455-8BD5-21DE-BE0A-8B3BDCFB22B0}"/>
-              </a:ext>
-              <a:ext uri="{C183D7F6-B498-43B3-948B-1728B52AA6E4}">
-                <adec:decorative xmlns:adec="http://schemas.microsoft.com/office/drawing/2017/decorative" val="1"/>
-              </a:ext>
-            </a:extLst>
-          </p:cNvPr>
-          <p:cNvSpPr>
-            <a:spLocks noGrp="1"/>
-          </p:cNvSpPr>
-          <p:nvPr>
-            <p:ph type="dt" sz="half" idx="14"/>
-          </p:nvPr>
-        </p:nvSpPr>
-        <p:spPr/>
-        <p:txBody>
-          <a:bodyPr/>
-          <a:lstStyle/>
-          <a:p>
-            <a:fld id="{80F28CED-CE5D-4E75-8322-B47CDC5AE153}" type="datetime4">
-              <a:rPr lang="de-DE" smtClean="0"/>
-              <a:t>1. August 2024</a:t>
-            </a:fld>
-            <a:endParaRPr lang="de-DE" dirty="0"/>
-          </a:p>
-        </p:txBody>
-      </p:sp>
-      <p:sp>
-        <p:nvSpPr>
-          <p:cNvPr id="5" name="Fußzeilenplatzhalter 4">
-            <a:extLst>
-              <a:ext uri="{FF2B5EF4-FFF2-40B4-BE49-F238E27FC236}">
-                <a16:creationId xmlns:a16="http://schemas.microsoft.com/office/drawing/2014/main" id="{EF3E551D-8223-4C1B-9389-A4D961DBF108}"/>
-              </a:ext>
-              <a:ext uri="{C183D7F6-B498-43B3-948B-1728B52AA6E4}">
-                <adec:decorative xmlns:adec="http://schemas.microsoft.com/office/drawing/2017/decorative" val="1"/>
-              </a:ext>
-            </a:extLst>
-          </p:cNvPr>
-          <p:cNvSpPr>
-            <a:spLocks noGrp="1"/>
-          </p:cNvSpPr>
-          <p:nvPr>
-            <p:ph type="ftr" sz="quarter" idx="15"/>
-          </p:nvPr>
-        </p:nvSpPr>
-        <p:spPr/>
-        <p:txBody>
-          <a:bodyPr/>
-          <a:lstStyle/>
-          <a:p>
-            <a:r>
-              <a:rPr lang="de-DE"/>
-              <a:t>Albert-Ludwigs-Universität Freiburg |</a:t>
-            </a:r>
-            <a:endParaRPr lang="de-DE" dirty="0"/>
-          </a:p>
-        </p:txBody>
-      </p:sp>
-      <p:sp>
-        <p:nvSpPr>
-          <p:cNvPr id="6" name="Foliennummernplatzhalter 5">
-            <a:extLst>
-              <a:ext uri="{FF2B5EF4-FFF2-40B4-BE49-F238E27FC236}">
-                <a16:creationId xmlns:a16="http://schemas.microsoft.com/office/drawing/2014/main" id="{C4328F87-7038-4E79-0168-B1095559D477}"/>
-              </a:ext>
-            </a:extLst>
-          </p:cNvPr>
-          <p:cNvSpPr>
-            <a:spLocks noGrp="1"/>
-          </p:cNvSpPr>
-          <p:nvPr>
-            <p:ph type="sldNum" sz="quarter" idx="16"/>
-          </p:nvPr>
-        </p:nvSpPr>
-        <p:spPr/>
-        <p:txBody>
-          <a:bodyPr/>
-          <a:lstStyle/>
-          <a:p>
-            <a:fld id="{C2571F0E-BA57-4409-A3A5-945CC828A36E}" type="slidenum">
-              <a:rPr lang="de-DE" smtClean="0"/>
-              <a:pPr/>
-              <a:t>2</a:t>
-            </a:fld>
-            <a:endParaRPr lang="de-DE" dirty="0"/>
-          </a:p>
-        </p:txBody>
-      </p:sp>
-      <p:sp>
-        <p:nvSpPr>
-          <p:cNvPr id="11" name="Titel 6">
-            <a:extLst>
-              <a:ext uri="{FF2B5EF4-FFF2-40B4-BE49-F238E27FC236}">
-                <a16:creationId xmlns:a16="http://schemas.microsoft.com/office/drawing/2014/main" id="{500AA3F2-185B-ABF9-D56C-4F92ECF86471}"/>
-              </a:ext>
-            </a:extLst>
-          </p:cNvPr>
-          <p:cNvSpPr>
-            <a:spLocks noGrp="1"/>
-          </p:cNvSpPr>
-          <p:nvPr>
-            <p:ph type="title"/>
-          </p:nvPr>
-        </p:nvSpPr>
-        <p:spPr>
-          <a:xfrm>
-            <a:off x="442913" y="365126"/>
-            <a:ext cx="11341100" cy="507330"/>
-          </a:xfrm>
-        </p:spPr>
-        <p:txBody>
-          <a:bodyPr/>
-          <a:lstStyle/>
-          <a:p>
-            <a:r>
-              <a:rPr lang="de-DE" sz="2800" b="1" dirty="0">
+          <a:bodyPr rtlCol="0" anchor="t"/>
+          <a:lstStyle/>
+          <a:p>
+            <a:r>
+              <a:rPr lang="en-US" sz="1400" b="1" dirty="0">
                 <a:solidFill>
-                  <a:schemeClr val="accent1"/>
+                  <a:srgbClr val="000000"/>
                 </a:solidFill>
               </a:rPr>
-              <a:t>Mögliche Gliederung</a:t>
-            </a:r>
-            <a:endParaRPr lang="de-DE" dirty="0">
+              <a:t>soft: </a:t>
+            </a:r>
+            <a:r>
+              <a:rPr lang="en-US" sz="1400" dirty="0">
+                <a:solidFill>
+                  <a:srgbClr val="000000"/>
+                </a:solidFill>
+              </a:rPr>
+              <a:t>dictionary containing the drawn “new” concepts (and comments)</a:t>
+            </a:r>
+            <a:endParaRPr lang="en-US" sz="1400" b="1" dirty="0">
               <a:solidFill>
                 <a:srgbClr val="000000"/>
               </a:solidFill>
@@ -5551,10 +4688,10 @@
       </p:sp>
       <p:sp>
         <p:nvSpPr>
-          <p:cNvPr id="7" name="Rechteck 6">
-            <a:extLst>
-              <a:ext uri="{FF2B5EF4-FFF2-40B4-BE49-F238E27FC236}">
-                <a16:creationId xmlns:a16="http://schemas.microsoft.com/office/drawing/2014/main" id="{535C5D24-A33E-CBC5-9A86-E4C87AF05A4A}"/>
+          <p:cNvPr id="54" name="Rechteck 53">
+            <a:extLst>
+              <a:ext uri="{FF2B5EF4-FFF2-40B4-BE49-F238E27FC236}">
+                <a16:creationId xmlns:a16="http://schemas.microsoft.com/office/drawing/2014/main" id="{173A19EE-2C09-41A6-8257-D23EFC5D3FBA}"/>
               </a:ext>
             </a:extLst>
           </p:cNvPr>
@@ -5563,8 +4700,8 @@
         </p:nvSpPr>
         <p:spPr>
           <a:xfrm>
-            <a:off x="1128956" y="1051516"/>
-            <a:ext cx="3424999" cy="491378"/>
+            <a:off x="501722" y="93309"/>
+            <a:ext cx="3403527" cy="322985"/>
           </a:xfrm>
           <a:prstGeom prst="rect">
             <a:avLst/>
@@ -5603,22 +4740,22 @@
           <a:p>
             <a:pPr algn="ctr"/>
             <a:r>
-              <a:rPr lang="de-DE" sz="1400" b="1" dirty="0">
+              <a:rPr lang="en-US" sz="1600" b="1" dirty="0">
                 <a:solidFill>
                   <a:srgbClr val="000000"/>
                 </a:solidFill>
               </a:rPr>
-              <a:t>Introduction</a:t>
-            </a:r>
-          </a:p>
-        </p:txBody>
-      </p:sp>
-      <p:sp>
-        <p:nvSpPr>
-          <p:cNvPr id="9" name="Rechteck 8">
-            <a:extLst>
-              <a:ext uri="{FF2B5EF4-FFF2-40B4-BE49-F238E27FC236}">
-                <a16:creationId xmlns:a16="http://schemas.microsoft.com/office/drawing/2014/main" id="{DFFDE391-0052-AFC0-1C3F-A10F87EAAD82}"/>
+              <a:t>Provided data to prompt #1, #2</a:t>
+            </a:r>
+          </a:p>
+        </p:txBody>
+      </p:sp>
+      <p:sp>
+        <p:nvSpPr>
+          <p:cNvPr id="61" name="Rechteck 60">
+            <a:extLst>
+              <a:ext uri="{FF2B5EF4-FFF2-40B4-BE49-F238E27FC236}">
+                <a16:creationId xmlns:a16="http://schemas.microsoft.com/office/drawing/2014/main" id="{DC5798B2-3A33-44E5-B6CA-713E3C4BDB28}"/>
               </a:ext>
             </a:extLst>
           </p:cNvPr>
@@ -5627,8 +4764,8 @@
         </p:nvSpPr>
         <p:spPr>
           <a:xfrm>
-            <a:off x="1128956" y="1625971"/>
-            <a:ext cx="3424999" cy="867936"/>
+            <a:off x="501723" y="3645858"/>
+            <a:ext cx="3403527" cy="322985"/>
           </a:xfrm>
           <a:prstGeom prst="rect">
             <a:avLst/>
@@ -5667,44 +4804,22 @@
           <a:p>
             <a:pPr algn="ctr"/>
             <a:r>
-              <a:rPr lang="de-DE" sz="1400" b="1" dirty="0">
+              <a:rPr lang="en-US" sz="1600" b="1" dirty="0">
                 <a:solidFill>
                   <a:srgbClr val="000000"/>
                 </a:solidFill>
               </a:rPr>
-              <a:t>Research Approach</a:t>
-            </a:r>
-          </a:p>
-          <a:p>
-            <a:pPr algn="ctr"/>
-            <a:r>
-              <a:rPr lang="de-DE" sz="1100" dirty="0">
-                <a:solidFill>
-                  <a:srgbClr val="000000"/>
-                </a:solidFill>
-              </a:rPr>
-              <a:t>AIT, CAMs</a:t>
-            </a:r>
-          </a:p>
-          <a:p>
-            <a:pPr algn="ctr"/>
-            <a:r>
-              <a:rPr lang="de-DE" sz="1100" dirty="0">
-                <a:solidFill>
-                  <a:srgbClr val="000000"/>
-                </a:solidFill>
-              </a:rPr>
-              <a:t>Study design (t1, t2)</a:t>
-            </a:r>
-          </a:p>
-        </p:txBody>
-      </p:sp>
-      <p:sp>
-        <p:nvSpPr>
-          <p:cNvPr id="10" name="Rechteck 9">
-            <a:extLst>
-              <a:ext uri="{FF2B5EF4-FFF2-40B4-BE49-F238E27FC236}">
-                <a16:creationId xmlns:a16="http://schemas.microsoft.com/office/drawing/2014/main" id="{F5190E93-718F-E83D-EE66-AAB930F93137}"/>
+              <a:t>Generated Outputs for each category</a:t>
+            </a:r>
+          </a:p>
+        </p:txBody>
+      </p:sp>
+      <p:sp>
+        <p:nvSpPr>
+          <p:cNvPr id="63" name="Rechteck 62">
+            <a:extLst>
+              <a:ext uri="{FF2B5EF4-FFF2-40B4-BE49-F238E27FC236}">
+                <a16:creationId xmlns:a16="http://schemas.microsoft.com/office/drawing/2014/main" id="{F1EC7561-5567-42F1-8D64-7A8BDACE0C06}"/>
               </a:ext>
             </a:extLst>
           </p:cNvPr>
@@ -5713,19 +4828,14 @@
         </p:nvSpPr>
         <p:spPr>
           <a:xfrm>
-            <a:off x="1128956" y="2568914"/>
-            <a:ext cx="3424999" cy="679751"/>
+            <a:off x="930349" y="4144922"/>
+            <a:ext cx="3174925" cy="1210785"/>
           </a:xfrm>
           <a:prstGeom prst="rect">
             <a:avLst/>
           </a:prstGeom>
-          <a:solidFill>
-            <a:schemeClr val="tx1">
-              <a:lumMod val="20000"/>
-              <a:lumOff val="80000"/>
-            </a:schemeClr>
-          </a:solidFill>
-          <a:ln w="19050">
+          <a:noFill/>
+          <a:ln w="6350">
             <a:solidFill>
               <a:schemeClr val="tx2"/>
             </a:solidFill>
@@ -5751,24 +4861,41 @@
           <a:bodyPr rtlCol="0" anchor="t"/>
           <a:lstStyle/>
           <a:p>
-            <a:pPr algn="ctr"/>
-            <a:r>
-              <a:rPr lang="de-DE" sz="1400" b="1" dirty="0">
+            <a:pPr marL="285750" indent="-285750">
+              <a:buFont typeface="Arial" panose="020B0604020202020204" pitchFamily="34" charset="0"/>
+              <a:buChar char="•"/>
+            </a:pPr>
+            <a:r>
+              <a:rPr lang="en-US" sz="1400" dirty="0">
                 <a:solidFill>
                   <a:srgbClr val="000000"/>
                 </a:solidFill>
               </a:rPr>
-              <a:t>Methods</a:t>
-            </a:r>
-          </a:p>
-        </p:txBody>
-      </p:sp>
-      <p:sp>
-        <p:nvSpPr>
-          <p:cNvPr id="12" name="Rechteck 11">
-            <a:extLst>
-              <a:ext uri="{FF2B5EF4-FFF2-40B4-BE49-F238E27FC236}">
-                <a16:creationId xmlns:a16="http://schemas.microsoft.com/office/drawing/2014/main" id="{4CEE8204-27CE-41B3-2C96-1DC641C0BCA1}"/>
+              <a:t>List of bullet points regarding the main findings of the lists “rigid”, “soft”</a:t>
+            </a:r>
+          </a:p>
+          <a:p>
+            <a:pPr marL="285750" indent="-285750">
+              <a:buFont typeface="Arial" panose="020B0604020202020204" pitchFamily="34" charset="0"/>
+              <a:buChar char="•"/>
+            </a:pPr>
+            <a:r>
+              <a:rPr lang="en-US" sz="1400" dirty="0">
+                <a:solidFill>
+                  <a:srgbClr val="000000"/>
+                </a:solidFill>
+              </a:rPr>
+              <a:t>Summary paragraph regarding “rigid” and “soft”</a:t>
+            </a:r>
+          </a:p>
+        </p:txBody>
+      </p:sp>
+      <p:sp>
+        <p:nvSpPr>
+          <p:cNvPr id="64" name="Rechteck 63">
+            <a:extLst>
+              <a:ext uri="{FF2B5EF4-FFF2-40B4-BE49-F238E27FC236}">
+                <a16:creationId xmlns:a16="http://schemas.microsoft.com/office/drawing/2014/main" id="{4BF9864C-738E-4786-8789-B93AB51B2FED}"/>
               </a:ext>
             </a:extLst>
           </p:cNvPr>
@@ -5777,19 +4904,14 @@
         </p:nvSpPr>
         <p:spPr>
           <a:xfrm>
-            <a:off x="1128956" y="3323672"/>
-            <a:ext cx="3424999" cy="172128"/>
+            <a:off x="930349" y="5498960"/>
+            <a:ext cx="3174925" cy="1210785"/>
           </a:xfrm>
           <a:prstGeom prst="rect">
             <a:avLst/>
           </a:prstGeom>
-          <a:solidFill>
-            <a:schemeClr val="tx1">
-              <a:lumMod val="20000"/>
-              <a:lumOff val="80000"/>
-            </a:schemeClr>
-          </a:solidFill>
-          <a:ln w="19050">
+          <a:noFill/>
+          <a:ln w="6350">
             <a:solidFill>
               <a:schemeClr val="tx2"/>
             </a:solidFill>
@@ -5812,536 +4934,93 @@
           </a:fontRef>
         </p:style>
         <p:txBody>
-          <a:bodyPr rtlCol="0" anchor="ctr"/>
-          <a:lstStyle/>
-          <a:p>
-            <a:pPr algn="ctr"/>
-            <a:r>
-              <a:rPr lang="de-DE" sz="1400" b="1" dirty="0">
+          <a:bodyPr rtlCol="0" anchor="t"/>
+          <a:lstStyle/>
+          <a:p>
+            <a:pPr marL="285750" indent="-285750">
+              <a:buFont typeface="Arial" panose="020B0604020202020204" pitchFamily="34" charset="0"/>
+              <a:buChar char="•"/>
+            </a:pPr>
+            <a:r>
+              <a:rPr lang="en-US" sz="1400" dirty="0">
                 <a:solidFill>
                   <a:srgbClr val="000000"/>
                 </a:solidFill>
               </a:rPr>
-              <a:t>Method </a:t>
-            </a:r>
-            <a:r>
-              <a:rPr lang="de-DE" sz="1400" b="1" dirty="0" err="1">
+              <a:t>List containing generic / superordinate words</a:t>
+            </a:r>
+          </a:p>
+          <a:p>
+            <a:pPr marL="285750" indent="-285750">
+              <a:buFont typeface="Arial" panose="020B0604020202020204" pitchFamily="34" charset="0"/>
+              <a:buChar char="•"/>
+            </a:pPr>
+            <a:r>
+              <a:rPr lang="en-US" sz="1400" dirty="0">
                 <a:solidFill>
                   <a:srgbClr val="000000"/>
                 </a:solidFill>
               </a:rPr>
-              <a:t>Step</a:t>
-            </a:r>
-            <a:r>
-              <a:rPr lang="de-DE" sz="1400" b="1" dirty="0">
-                <a:solidFill>
-                  <a:srgbClr val="000000"/>
-                </a:solidFill>
-              </a:rPr>
-              <a:t> I</a:t>
-            </a:r>
-          </a:p>
-        </p:txBody>
-      </p:sp>
-      <p:sp>
-        <p:nvSpPr>
-          <p:cNvPr id="13" name="Rechteck 12">
-            <a:extLst>
-              <a:ext uri="{FF2B5EF4-FFF2-40B4-BE49-F238E27FC236}">
-                <a16:creationId xmlns:a16="http://schemas.microsoft.com/office/drawing/2014/main" id="{12A16620-F173-52F9-77F9-73E987421D9C}"/>
-              </a:ext>
-            </a:extLst>
-          </p:cNvPr>
-          <p:cNvSpPr/>
-          <p:nvPr/>
-        </p:nvSpPr>
-        <p:spPr>
-          <a:xfrm>
-            <a:off x="1128956" y="3570807"/>
-            <a:ext cx="3424999" cy="606774"/>
-          </a:xfrm>
-          <a:prstGeom prst="rect">
-            <a:avLst/>
-          </a:prstGeom>
-          <a:solidFill>
-            <a:schemeClr val="tx1">
-              <a:lumMod val="20000"/>
-              <a:lumOff val="80000"/>
-            </a:schemeClr>
-          </a:solidFill>
-          <a:ln w="19050">
-            <a:solidFill>
-              <a:schemeClr val="tx2"/>
-            </a:solidFill>
-          </a:ln>
-        </p:spPr>
-        <p:style>
-          <a:lnRef idx="2">
-            <a:schemeClr val="accent1">
-              <a:shade val="15000"/>
-            </a:schemeClr>
-          </a:lnRef>
-          <a:fillRef idx="1">
-            <a:schemeClr val="accent1"/>
-          </a:fillRef>
-          <a:effectRef idx="0">
-            <a:schemeClr val="accent1"/>
-          </a:effectRef>
-          <a:fontRef idx="minor">
-            <a:schemeClr val="lt1"/>
-          </a:fontRef>
-        </p:style>
-        <p:txBody>
-          <a:bodyPr rtlCol="0" anchor="t"/>
-          <a:lstStyle/>
-          <a:p>
-            <a:pPr algn="ctr"/>
-            <a:r>
-              <a:rPr lang="de-DE" sz="1400" b="1" dirty="0" err="1">
-                <a:solidFill>
-                  <a:srgbClr val="000000"/>
-                </a:solidFill>
-              </a:rPr>
-              <a:t>Results</a:t>
-            </a:r>
-            <a:r>
-              <a:rPr lang="de-DE" sz="1400" b="1" dirty="0">
-                <a:solidFill>
-                  <a:srgbClr val="000000"/>
-                </a:solidFill>
-              </a:rPr>
-              <a:t>: </a:t>
-            </a:r>
-            <a:r>
-              <a:rPr lang="de-DE" sz="1400" b="1" dirty="0" err="1">
-                <a:solidFill>
-                  <a:srgbClr val="000000"/>
-                </a:solidFill>
-              </a:rPr>
-              <a:t>Step</a:t>
-            </a:r>
-            <a:r>
-              <a:rPr lang="de-DE" sz="1400" b="1" dirty="0">
-                <a:solidFill>
-                  <a:srgbClr val="000000"/>
-                </a:solidFill>
-              </a:rPr>
-              <a:t> I</a:t>
-            </a:r>
-          </a:p>
-          <a:p>
-            <a:pPr algn="ctr"/>
-            <a:endParaRPr lang="de-DE" sz="800" b="1" dirty="0">
+              <a:t>A dictionary where are drawn concepts are assigned to the generic / superordinate words</a:t>
+            </a:r>
+          </a:p>
+          <a:p>
+            <a:pPr marL="285750" indent="-285750">
+              <a:buFont typeface="Arial" panose="020B0604020202020204" pitchFamily="34" charset="0"/>
+              <a:buChar char="•"/>
+            </a:pPr>
+            <a:endParaRPr lang="en-US" sz="1400" dirty="0">
               <a:solidFill>
                 <a:srgbClr val="000000"/>
               </a:solidFill>
             </a:endParaRPr>
           </a:p>
-          <a:p>
-            <a:pPr algn="ctr"/>
-            <a:r>
-              <a:rPr lang="de-DE" sz="1100" dirty="0">
-                <a:solidFill>
-                  <a:schemeClr val="tx2"/>
-                </a:solidFill>
-              </a:rPr>
-              <a:t>AIT</a:t>
-            </a:r>
-            <a:endParaRPr lang="de-DE" sz="1400" dirty="0">
-              <a:solidFill>
-                <a:schemeClr val="tx2"/>
-              </a:solidFill>
-            </a:endParaRPr>
-          </a:p>
-        </p:txBody>
-      </p:sp>
-      <p:sp>
-        <p:nvSpPr>
-          <p:cNvPr id="14" name="Rechteck 13">
-            <a:extLst>
-              <a:ext uri="{FF2B5EF4-FFF2-40B4-BE49-F238E27FC236}">
-                <a16:creationId xmlns:a16="http://schemas.microsoft.com/office/drawing/2014/main" id="{748EB6BB-6221-3309-4955-D79D8F21D4D0}"/>
-              </a:ext>
-            </a:extLst>
-          </p:cNvPr>
-          <p:cNvSpPr/>
-          <p:nvPr/>
-        </p:nvSpPr>
-        <p:spPr>
-          <a:xfrm>
-            <a:off x="1128956" y="4252588"/>
-            <a:ext cx="3424999" cy="460096"/>
-          </a:xfrm>
-          <a:prstGeom prst="rect">
-            <a:avLst/>
-          </a:prstGeom>
-          <a:solidFill>
-            <a:schemeClr val="tx1">
-              <a:lumMod val="20000"/>
-              <a:lumOff val="80000"/>
-            </a:schemeClr>
-          </a:solidFill>
-          <a:ln w="19050">
-            <a:solidFill>
-              <a:schemeClr val="tx2"/>
-            </a:solidFill>
-          </a:ln>
-        </p:spPr>
-        <p:style>
-          <a:lnRef idx="2">
-            <a:schemeClr val="accent1">
-              <a:shade val="15000"/>
-            </a:schemeClr>
-          </a:lnRef>
-          <a:fillRef idx="1">
-            <a:schemeClr val="accent1"/>
-          </a:fillRef>
-          <a:effectRef idx="0">
-            <a:schemeClr val="accent1"/>
-          </a:effectRef>
-          <a:fontRef idx="minor">
-            <a:schemeClr val="lt1"/>
-          </a:fontRef>
-        </p:style>
-        <p:txBody>
-          <a:bodyPr rtlCol="0" anchor="t"/>
-          <a:lstStyle/>
-          <a:p>
-            <a:pPr algn="ctr"/>
-            <a:r>
-              <a:rPr lang="de-DE" sz="1400" b="1" dirty="0">
-                <a:solidFill>
-                  <a:srgbClr val="000000"/>
-                </a:solidFill>
-              </a:rPr>
-              <a:t>Method </a:t>
-            </a:r>
-            <a:r>
-              <a:rPr lang="de-DE" sz="1400" b="1" dirty="0" err="1">
-                <a:solidFill>
-                  <a:srgbClr val="000000"/>
-                </a:solidFill>
-              </a:rPr>
-              <a:t>Step</a:t>
-            </a:r>
-            <a:r>
-              <a:rPr lang="de-DE" sz="1400" b="1" dirty="0">
-                <a:solidFill>
-                  <a:srgbClr val="000000"/>
-                </a:solidFill>
-              </a:rPr>
-              <a:t> II</a:t>
-            </a:r>
-          </a:p>
-        </p:txBody>
-      </p:sp>
-      <p:sp>
-        <p:nvSpPr>
-          <p:cNvPr id="23" name="Rechteck 22">
-            <a:extLst>
-              <a:ext uri="{FF2B5EF4-FFF2-40B4-BE49-F238E27FC236}">
-                <a16:creationId xmlns:a16="http://schemas.microsoft.com/office/drawing/2014/main" id="{3EAB3761-FFAE-DB03-6BA1-81E974268F23}"/>
-              </a:ext>
-            </a:extLst>
-          </p:cNvPr>
-          <p:cNvSpPr/>
-          <p:nvPr/>
-        </p:nvSpPr>
-        <p:spPr>
-          <a:xfrm>
-            <a:off x="1" y="6256981"/>
-            <a:ext cx="1820008" cy="538584"/>
-          </a:xfrm>
-          <a:prstGeom prst="rect">
-            <a:avLst/>
-          </a:prstGeom>
-          <a:solidFill>
-            <a:schemeClr val="bg1"/>
-          </a:solidFill>
-          <a:ln>
-            <a:noFill/>
-          </a:ln>
-        </p:spPr>
-        <p:style>
-          <a:lnRef idx="2">
-            <a:schemeClr val="accent1">
-              <a:shade val="15000"/>
-            </a:schemeClr>
-          </a:lnRef>
-          <a:fillRef idx="1">
-            <a:schemeClr val="accent1"/>
-          </a:fillRef>
-          <a:effectRef idx="0">
-            <a:schemeClr val="accent1"/>
-          </a:effectRef>
-          <a:fontRef idx="minor">
-            <a:schemeClr val="lt1"/>
-          </a:fontRef>
-        </p:style>
-        <p:txBody>
-          <a:bodyPr rtlCol="0" anchor="ctr"/>
-          <a:lstStyle/>
-          <a:p>
-            <a:pPr algn="ctr"/>
-            <a:endParaRPr lang="de-DE"/>
-          </a:p>
-        </p:txBody>
-      </p:sp>
-      <p:sp>
-        <p:nvSpPr>
-          <p:cNvPr id="15" name="Rechteck 14">
-            <a:extLst>
-              <a:ext uri="{FF2B5EF4-FFF2-40B4-BE49-F238E27FC236}">
-                <a16:creationId xmlns:a16="http://schemas.microsoft.com/office/drawing/2014/main" id="{7C8CD4DD-8B2A-26D5-8363-3E66F44E9425}"/>
-              </a:ext>
-            </a:extLst>
-          </p:cNvPr>
-          <p:cNvSpPr/>
-          <p:nvPr/>
-        </p:nvSpPr>
-        <p:spPr>
-          <a:xfrm>
-            <a:off x="1128956" y="4791242"/>
-            <a:ext cx="3424999" cy="927154"/>
-          </a:xfrm>
-          <a:prstGeom prst="rect">
-            <a:avLst/>
-          </a:prstGeom>
-          <a:solidFill>
-            <a:schemeClr val="tx1">
-              <a:lumMod val="20000"/>
-              <a:lumOff val="80000"/>
-            </a:schemeClr>
-          </a:solidFill>
-          <a:ln w="19050">
-            <a:solidFill>
-              <a:schemeClr val="tx2"/>
-            </a:solidFill>
-          </a:ln>
-        </p:spPr>
-        <p:style>
-          <a:lnRef idx="2">
-            <a:schemeClr val="accent1">
-              <a:shade val="15000"/>
-            </a:schemeClr>
-          </a:lnRef>
-          <a:fillRef idx="1">
-            <a:schemeClr val="accent1"/>
-          </a:fillRef>
-          <a:effectRef idx="0">
-            <a:schemeClr val="accent1"/>
-          </a:effectRef>
-          <a:fontRef idx="minor">
-            <a:schemeClr val="lt1"/>
-          </a:fontRef>
-        </p:style>
-        <p:txBody>
-          <a:bodyPr rtlCol="0" anchor="t"/>
-          <a:lstStyle/>
-          <a:p>
-            <a:pPr algn="ctr"/>
-            <a:r>
-              <a:rPr lang="de-DE" sz="1400" b="1" dirty="0" err="1">
-                <a:solidFill>
-                  <a:srgbClr val="000000"/>
-                </a:solidFill>
-              </a:rPr>
-              <a:t>Results</a:t>
-            </a:r>
-            <a:r>
-              <a:rPr lang="de-DE" sz="1400" b="1" dirty="0">
-                <a:solidFill>
-                  <a:srgbClr val="000000"/>
-                </a:solidFill>
-              </a:rPr>
-              <a:t>: </a:t>
-            </a:r>
-            <a:r>
-              <a:rPr lang="de-DE" sz="1400" b="1" dirty="0" err="1">
-                <a:solidFill>
-                  <a:srgbClr val="000000"/>
-                </a:solidFill>
-              </a:rPr>
-              <a:t>Step</a:t>
-            </a:r>
-            <a:r>
-              <a:rPr lang="de-DE" sz="1400" b="1" dirty="0">
-                <a:solidFill>
-                  <a:srgbClr val="000000"/>
-                </a:solidFill>
-              </a:rPr>
-              <a:t> II</a:t>
-            </a:r>
-          </a:p>
-          <a:p>
-            <a:pPr algn="ctr"/>
-            <a:endParaRPr lang="de-DE" sz="800" b="1" dirty="0">
-              <a:solidFill>
-                <a:srgbClr val="000000"/>
-              </a:solidFill>
-            </a:endParaRPr>
-          </a:p>
-          <a:p>
-            <a:pPr algn="ctr"/>
-            <a:r>
-              <a:rPr lang="de-DE" sz="1100" dirty="0">
-                <a:solidFill>
-                  <a:srgbClr val="000000"/>
-                </a:solidFill>
-              </a:rPr>
-              <a:t>CAMs</a:t>
-            </a:r>
-            <a:endParaRPr lang="de-DE" sz="1400" dirty="0">
-              <a:solidFill>
-                <a:srgbClr val="000000"/>
-              </a:solidFill>
-            </a:endParaRPr>
-          </a:p>
-        </p:txBody>
-      </p:sp>
-      <p:sp>
-        <p:nvSpPr>
-          <p:cNvPr id="16" name="Rechteck 15">
-            <a:extLst>
-              <a:ext uri="{FF2B5EF4-FFF2-40B4-BE49-F238E27FC236}">
-                <a16:creationId xmlns:a16="http://schemas.microsoft.com/office/drawing/2014/main" id="{60265ECB-6603-95A8-DF82-A3EF58600566}"/>
-              </a:ext>
-            </a:extLst>
-          </p:cNvPr>
-          <p:cNvSpPr/>
-          <p:nvPr/>
-        </p:nvSpPr>
-        <p:spPr>
-          <a:xfrm>
-            <a:off x="1128956" y="5793404"/>
-            <a:ext cx="3424999" cy="927154"/>
-          </a:xfrm>
-          <a:prstGeom prst="rect">
-            <a:avLst/>
-          </a:prstGeom>
-          <a:solidFill>
-            <a:schemeClr val="tx1">
-              <a:lumMod val="20000"/>
-              <a:lumOff val="80000"/>
-            </a:schemeClr>
-          </a:solidFill>
-          <a:ln w="19050">
-            <a:solidFill>
-              <a:schemeClr val="tx2"/>
-            </a:solidFill>
-          </a:ln>
-        </p:spPr>
-        <p:style>
-          <a:lnRef idx="2">
-            <a:schemeClr val="accent1">
-              <a:shade val="15000"/>
-            </a:schemeClr>
-          </a:lnRef>
-          <a:fillRef idx="1">
-            <a:schemeClr val="accent1"/>
-          </a:fillRef>
-          <a:effectRef idx="0">
-            <a:schemeClr val="accent1"/>
-          </a:effectRef>
-          <a:fontRef idx="minor">
-            <a:schemeClr val="lt1"/>
-          </a:fontRef>
-        </p:style>
-        <p:txBody>
-          <a:bodyPr rtlCol="0" anchor="t"/>
-          <a:lstStyle/>
-          <a:p>
-            <a:pPr algn="ctr"/>
-            <a:r>
-              <a:rPr lang="de-DE" sz="1400" b="1" dirty="0" err="1">
-                <a:solidFill>
-                  <a:srgbClr val="000000"/>
-                </a:solidFill>
-              </a:rPr>
-              <a:t>Discussion</a:t>
-            </a:r>
-            <a:endParaRPr lang="de-DE" sz="1400" b="1" dirty="0">
-              <a:solidFill>
-                <a:srgbClr val="000000"/>
-              </a:solidFill>
-            </a:endParaRPr>
-          </a:p>
-          <a:p>
-            <a:pPr algn="ctr"/>
-            <a:endParaRPr lang="de-DE" sz="800" b="1" dirty="0">
-              <a:solidFill>
-                <a:srgbClr val="000000"/>
-              </a:solidFill>
-            </a:endParaRPr>
-          </a:p>
-          <a:p>
-            <a:pPr algn="ctr"/>
-            <a:r>
-              <a:rPr lang="de-DE" sz="1100" dirty="0">
-                <a:solidFill>
-                  <a:srgbClr val="000000"/>
-                </a:solidFill>
-              </a:rPr>
-              <a:t>Main Outcomes</a:t>
-            </a:r>
-          </a:p>
-          <a:p>
-            <a:pPr algn="ctr"/>
-            <a:r>
-              <a:rPr lang="de-DE" sz="1100" dirty="0" err="1">
-                <a:solidFill>
-                  <a:srgbClr val="000000"/>
-                </a:solidFill>
-              </a:rPr>
-              <a:t>Comparison</a:t>
-            </a:r>
-            <a:r>
-              <a:rPr lang="de-DE" sz="1100" dirty="0">
-                <a:solidFill>
-                  <a:srgbClr val="000000"/>
-                </a:solidFill>
-              </a:rPr>
-              <a:t> AIT vs. CAMs</a:t>
-            </a:r>
-          </a:p>
         </p:txBody>
       </p:sp>
       <p:cxnSp>
         <p:nvCxnSpPr>
-          <p:cNvPr id="18" name="Gerade Verbindung mit Pfeil 17">
-            <a:extLst>
-              <a:ext uri="{FF2B5EF4-FFF2-40B4-BE49-F238E27FC236}">
-                <a16:creationId xmlns:a16="http://schemas.microsoft.com/office/drawing/2014/main" id="{640F5A2B-0035-0C02-F817-73D8B5ED52EC}"/>
+          <p:cNvPr id="15" name="Gerade Verbindung mit Pfeil 14">
+            <a:extLst>
+              <a:ext uri="{FF2B5EF4-FFF2-40B4-BE49-F238E27FC236}">
+                <a16:creationId xmlns:a16="http://schemas.microsoft.com/office/drawing/2014/main" id="{086B619F-CAD8-4AB1-83FD-B02E06697CCC}"/>
               </a:ext>
             </a:extLst>
           </p:cNvPr>
           <p:cNvCxnSpPr>
-            <a:cxnSpLocks/>
-            <a:stCxn id="7" idx="3"/>
+            <a:stCxn id="27" idx="1"/>
+            <a:endCxn id="63" idx="3"/>
           </p:cNvCxnSpPr>
           <p:nvPr/>
         </p:nvCxnSpPr>
         <p:spPr>
-          <a:xfrm>
-            <a:off x="4553955" y="1297205"/>
-            <a:ext cx="876170" cy="0"/>
+          <a:xfrm rot="10800000" flipV="1">
+            <a:off x="4105275" y="1806559"/>
+            <a:ext cx="809627" cy="2943756"/>
           </a:xfrm>
-          <a:prstGeom prst="straightConnector1">
-            <a:avLst/>
+          <a:prstGeom prst="bentConnector3">
+            <a:avLst>
+              <a:gd name="adj1" fmla="val 50000"/>
+            </a:avLst>
           </a:prstGeom>
-          <a:ln w="19050">
+          <a:ln w="38100" cap="flat" cmpd="sng" algn="ctr">
+            <a:solidFill>
+              <a:schemeClr val="tx1"/>
+            </a:solidFill>
+            <a:prstDash val="solid"/>
+            <a:round/>
+            <a:headEnd type="none" w="med" len="med"/>
             <a:tailEnd type="triangle"/>
           </a:ln>
         </p:spPr>
         <p:style>
-          <a:lnRef idx="1">
-            <a:schemeClr val="accent1"/>
+          <a:lnRef idx="0">
+            <a:scrgbClr r="0" g="0" b="0"/>
           </a:lnRef>
           <a:fillRef idx="0">
-            <a:schemeClr val="accent1"/>
+            <a:scrgbClr r="0" g="0" b="0"/>
           </a:fillRef>
           <a:effectRef idx="0">
-            <a:schemeClr val="accent1"/>
+            <a:scrgbClr r="0" g="0" b="0"/>
           </a:effectRef>
           <a:fontRef idx="minor">
             <a:schemeClr val="tx1"/>
@@ -6350,532 +5029,58 @@
       </p:cxnSp>
       <p:cxnSp>
         <p:nvCxnSpPr>
-          <p:cNvPr id="21" name="Gerade Verbindung mit Pfeil 20">
-            <a:extLst>
-              <a:ext uri="{FF2B5EF4-FFF2-40B4-BE49-F238E27FC236}">
-                <a16:creationId xmlns:a16="http://schemas.microsoft.com/office/drawing/2014/main" id="{0DAD56D4-061A-AA48-3C44-6E5EF994BD74}"/>
+          <p:cNvPr id="17" name="Gerade Verbindung mit Pfeil 16">
+            <a:extLst>
+              <a:ext uri="{FF2B5EF4-FFF2-40B4-BE49-F238E27FC236}">
+                <a16:creationId xmlns:a16="http://schemas.microsoft.com/office/drawing/2014/main" id="{74D32F00-B87A-4FD0-8394-0CF96856CCFB}"/>
               </a:ext>
             </a:extLst>
           </p:cNvPr>
           <p:cNvCxnSpPr>
-            <a:cxnSpLocks/>
-            <a:stCxn id="9" idx="3"/>
+            <a:stCxn id="47" idx="1"/>
+            <a:endCxn id="64" idx="3"/>
           </p:cNvCxnSpPr>
           <p:nvPr/>
         </p:nvCxnSpPr>
         <p:spPr>
-          <a:xfrm flipV="1">
-            <a:off x="4553955" y="2059605"/>
-            <a:ext cx="876170" cy="334"/>
+          <a:xfrm rot="10800000" flipV="1">
+            <a:off x="4105275" y="5095875"/>
+            <a:ext cx="896903" cy="1008477"/>
           </a:xfrm>
-          <a:prstGeom prst="straightConnector1">
-            <a:avLst/>
+          <a:prstGeom prst="bentConnector3">
+            <a:avLst>
+              <a:gd name="adj1" fmla="val 50000"/>
+            </a:avLst>
           </a:prstGeom>
-          <a:ln w="19050">
+          <a:ln w="38100" cap="flat" cmpd="sng" algn="ctr">
+            <a:solidFill>
+              <a:schemeClr val="tx1"/>
+            </a:solidFill>
+            <a:prstDash val="solid"/>
+            <a:round/>
+            <a:headEnd type="none" w="med" len="med"/>
             <a:tailEnd type="triangle"/>
           </a:ln>
         </p:spPr>
         <p:style>
-          <a:lnRef idx="1">
-            <a:schemeClr val="accent1"/>
+          <a:lnRef idx="0">
+            <a:scrgbClr r="0" g="0" b="0"/>
           </a:lnRef>
           <a:fillRef idx="0">
-            <a:schemeClr val="accent1"/>
+            <a:scrgbClr r="0" g="0" b="0"/>
           </a:fillRef>
           <a:effectRef idx="0">
-            <a:schemeClr val="accent1"/>
+            <a:scrgbClr r="0" g="0" b="0"/>
           </a:effectRef>
           <a:fontRef idx="minor">
             <a:schemeClr val="tx1"/>
           </a:fontRef>
         </p:style>
       </p:cxnSp>
-      <p:cxnSp>
-        <p:nvCxnSpPr>
-          <p:cNvPr id="24" name="Gerade Verbindung mit Pfeil 23">
-            <a:extLst>
-              <a:ext uri="{FF2B5EF4-FFF2-40B4-BE49-F238E27FC236}">
-                <a16:creationId xmlns:a16="http://schemas.microsoft.com/office/drawing/2014/main" id="{7C023E35-36BC-A0C3-8774-E377CE0283D0}"/>
-              </a:ext>
-            </a:extLst>
-          </p:cNvPr>
-          <p:cNvCxnSpPr>
-            <a:cxnSpLocks/>
-            <a:stCxn id="16" idx="3"/>
-          </p:cNvCxnSpPr>
-          <p:nvPr/>
-        </p:nvCxnSpPr>
-        <p:spPr>
-          <a:xfrm>
-            <a:off x="4553955" y="6256981"/>
-            <a:ext cx="876170" cy="0"/>
-          </a:xfrm>
-          <a:prstGeom prst="straightConnector1">
-            <a:avLst/>
-          </a:prstGeom>
-          <a:ln w="19050">
-            <a:tailEnd type="triangle"/>
-          </a:ln>
-        </p:spPr>
-        <p:style>
-          <a:lnRef idx="1">
-            <a:schemeClr val="accent1"/>
-          </a:lnRef>
-          <a:fillRef idx="0">
-            <a:schemeClr val="accent1"/>
-          </a:fillRef>
-          <a:effectRef idx="0">
-            <a:schemeClr val="accent1"/>
-          </a:effectRef>
-          <a:fontRef idx="minor">
-            <a:schemeClr val="tx1"/>
-          </a:fontRef>
-        </p:style>
-      </p:cxnSp>
-      <p:sp>
-        <p:nvSpPr>
-          <p:cNvPr id="2" name="Textfeld 1">
-            <a:extLst>
-              <a:ext uri="{FF2B5EF4-FFF2-40B4-BE49-F238E27FC236}">
-                <a16:creationId xmlns:a16="http://schemas.microsoft.com/office/drawing/2014/main" id="{7446A323-8459-8396-1532-C74ABEBF63EF}"/>
-              </a:ext>
-            </a:extLst>
-          </p:cNvPr>
-          <p:cNvSpPr txBox="1"/>
-          <p:nvPr/>
-        </p:nvSpPr>
-        <p:spPr>
-          <a:xfrm>
-            <a:off x="5430125" y="1145078"/>
-            <a:ext cx="6608224" cy="523220"/>
-          </a:xfrm>
-          <a:prstGeom prst="rect">
-            <a:avLst/>
-          </a:prstGeom>
-          <a:noFill/>
-        </p:spPr>
-        <p:txBody>
-          <a:bodyPr wrap="square" rtlCol="0">
-            <a:spAutoFit/>
-          </a:bodyPr>
-          <a:lstStyle/>
-          <a:p>
-            <a:r>
-              <a:rPr lang="pt-BR" sz="1400" dirty="0">
-                <a:solidFill>
-                  <a:schemeClr val="tx2"/>
-                </a:solidFill>
-              </a:rPr>
-              <a:t>Themenrelevanz (Climate Policy, pol. vs. indiv. Verhalten, Prävalenz, usw.), Fokus auf Narrative</a:t>
-            </a:r>
-          </a:p>
-        </p:txBody>
-      </p:sp>
-      <p:sp>
-        <p:nvSpPr>
-          <p:cNvPr id="3" name="Textfeld 2">
-            <a:extLst>
-              <a:ext uri="{FF2B5EF4-FFF2-40B4-BE49-F238E27FC236}">
-                <a16:creationId xmlns:a16="http://schemas.microsoft.com/office/drawing/2014/main" id="{E4086B6E-4B09-AADC-66E7-DBDB66ADC3AD}"/>
-              </a:ext>
-            </a:extLst>
-          </p:cNvPr>
-          <p:cNvSpPr txBox="1"/>
-          <p:nvPr/>
-        </p:nvSpPr>
-        <p:spPr>
-          <a:xfrm>
-            <a:off x="5430125" y="1905716"/>
-            <a:ext cx="5832821" cy="523220"/>
-          </a:xfrm>
-          <a:prstGeom prst="rect">
-            <a:avLst/>
-          </a:prstGeom>
-          <a:noFill/>
-        </p:spPr>
-        <p:txBody>
-          <a:bodyPr wrap="square" rtlCol="0">
-            <a:spAutoFit/>
-          </a:bodyPr>
-          <a:lstStyle/>
-          <a:p>
-            <a:r>
-              <a:rPr lang="pt-BR" sz="1400" dirty="0">
-                <a:solidFill>
-                  <a:schemeClr val="tx2"/>
-                </a:solidFill>
-              </a:rPr>
-              <a:t>Einteilung in low vs. high (LCA) → Max-Kon-Min-Prinzip, Beschreibung Two-Part-Study</a:t>
-            </a:r>
-          </a:p>
-        </p:txBody>
-      </p:sp>
-      <p:cxnSp>
-        <p:nvCxnSpPr>
-          <p:cNvPr id="8" name="Gerade Verbindung mit Pfeil 7">
-            <a:extLst>
-              <a:ext uri="{FF2B5EF4-FFF2-40B4-BE49-F238E27FC236}">
-                <a16:creationId xmlns:a16="http://schemas.microsoft.com/office/drawing/2014/main" id="{F6D44998-56B6-C13C-C5E5-AA7EDBA16CDE}"/>
-              </a:ext>
-            </a:extLst>
-          </p:cNvPr>
-          <p:cNvCxnSpPr>
-            <a:cxnSpLocks/>
-            <a:stCxn id="10" idx="3"/>
-          </p:cNvCxnSpPr>
-          <p:nvPr/>
-        </p:nvCxnSpPr>
-        <p:spPr>
-          <a:xfrm>
-            <a:off x="4553955" y="2908790"/>
-            <a:ext cx="876170" cy="0"/>
-          </a:xfrm>
-          <a:prstGeom prst="straightConnector1">
-            <a:avLst/>
-          </a:prstGeom>
-          <a:ln w="19050">
-            <a:tailEnd type="triangle"/>
-          </a:ln>
-        </p:spPr>
-        <p:style>
-          <a:lnRef idx="1">
-            <a:schemeClr val="accent1"/>
-          </a:lnRef>
-          <a:fillRef idx="0">
-            <a:schemeClr val="accent1"/>
-          </a:fillRef>
-          <a:effectRef idx="0">
-            <a:schemeClr val="accent1"/>
-          </a:effectRef>
-          <a:fontRef idx="minor">
-            <a:schemeClr val="tx1"/>
-          </a:fontRef>
-        </p:style>
-      </p:cxnSp>
-      <p:sp>
-        <p:nvSpPr>
-          <p:cNvPr id="20" name="Textfeld 19">
-            <a:extLst>
-              <a:ext uri="{FF2B5EF4-FFF2-40B4-BE49-F238E27FC236}">
-                <a16:creationId xmlns:a16="http://schemas.microsoft.com/office/drawing/2014/main" id="{93F0709E-C06B-7879-B874-92025ACD85C8}"/>
-              </a:ext>
-            </a:extLst>
-          </p:cNvPr>
-          <p:cNvSpPr txBox="1"/>
-          <p:nvPr/>
-        </p:nvSpPr>
-        <p:spPr>
-          <a:xfrm>
-            <a:off x="5430125" y="2754900"/>
-            <a:ext cx="6608224" cy="307777"/>
-          </a:xfrm>
-          <a:prstGeom prst="rect">
-            <a:avLst/>
-          </a:prstGeom>
-          <a:noFill/>
-        </p:spPr>
-        <p:txBody>
-          <a:bodyPr wrap="square" rtlCol="0">
-            <a:spAutoFit/>
-          </a:bodyPr>
-          <a:lstStyle/>
-          <a:p>
-            <a:r>
-              <a:rPr lang="pt-BR" sz="1400" dirty="0">
-                <a:solidFill>
-                  <a:schemeClr val="tx2"/>
-                </a:solidFill>
-              </a:rPr>
-              <a:t>Stichprobe, Durchführung (t1 &amp; t2), Coding Guidelines (Ablaufschema) </a:t>
-            </a:r>
-          </a:p>
-        </p:txBody>
-      </p:sp>
-      <p:sp>
-        <p:nvSpPr>
-          <p:cNvPr id="22" name="Textfeld 21">
-            <a:extLst>
-              <a:ext uri="{FF2B5EF4-FFF2-40B4-BE49-F238E27FC236}">
-                <a16:creationId xmlns:a16="http://schemas.microsoft.com/office/drawing/2014/main" id="{C9CE58C7-4F0D-0F88-FAA5-381DF5C322AE}"/>
-              </a:ext>
-            </a:extLst>
-          </p:cNvPr>
-          <p:cNvSpPr txBox="1"/>
-          <p:nvPr/>
-        </p:nvSpPr>
-        <p:spPr>
-          <a:xfrm>
-            <a:off x="5430125" y="6103092"/>
-            <a:ext cx="6608224" cy="307777"/>
-          </a:xfrm>
-          <a:prstGeom prst="rect">
-            <a:avLst/>
-          </a:prstGeom>
-          <a:noFill/>
-        </p:spPr>
-        <p:txBody>
-          <a:bodyPr wrap="square" rtlCol="0">
-            <a:spAutoFit/>
-          </a:bodyPr>
-          <a:lstStyle/>
-          <a:p>
-            <a:r>
-              <a:rPr lang="pt-BR" sz="1400" dirty="0">
-                <a:solidFill>
-                  <a:schemeClr val="tx2"/>
-                </a:solidFill>
-              </a:rPr>
-              <a:t>Fokus auf Policy-Aspekt für anwendungsorientierte Journals</a:t>
-            </a:r>
-          </a:p>
-        </p:txBody>
-      </p:sp>
     </p:spTree>
     <p:extLst>
       <p:ext uri="{BB962C8B-B14F-4D97-AF65-F5344CB8AC3E}">
-        <p14:creationId xmlns:p14="http://schemas.microsoft.com/office/powerpoint/2010/main" val="218996538"/>
-      </p:ext>
-    </p:extLst>
-  </p:cSld>
-  <p:clrMapOvr>
-    <a:masterClrMapping/>
-  </p:clrMapOvr>
-</p:sld>
-</file>
-
-<file path=ppt/slides/slide3.xml><?xml version="1.0" encoding="utf-8"?>
-<p:sld xmlns:a="http://schemas.openxmlformats.org/drawingml/2006/main" xmlns:r="http://schemas.openxmlformats.org/officeDocument/2006/relationships" xmlns:p="http://schemas.openxmlformats.org/presentationml/2006/main">
-  <p:cSld>
-    <p:spTree>
-      <p:nvGrpSpPr>
-        <p:cNvPr id="1" name=""/>
-        <p:cNvGrpSpPr/>
-        <p:nvPr/>
-      </p:nvGrpSpPr>
-      <p:grpSpPr>
-        <a:xfrm>
-          <a:off x="0" y="0"/>
-          <a:ext cx="0" cy="0"/>
-          <a:chOff x="0" y="0"/>
-          <a:chExt cx="0" cy="0"/>
-        </a:xfrm>
-      </p:grpSpPr>
-      <p:sp>
-        <p:nvSpPr>
-          <p:cNvPr id="4" name="Datumsplatzhalter 3">
-            <a:extLst>
-              <a:ext uri="{FF2B5EF4-FFF2-40B4-BE49-F238E27FC236}">
-                <a16:creationId xmlns:a16="http://schemas.microsoft.com/office/drawing/2014/main" id="{1E939455-8BD5-21DE-BE0A-8B3BDCFB22B0}"/>
-              </a:ext>
-              <a:ext uri="{C183D7F6-B498-43B3-948B-1728B52AA6E4}">
-                <adec:decorative xmlns:adec="http://schemas.microsoft.com/office/drawing/2017/decorative" val="1"/>
-              </a:ext>
-            </a:extLst>
-          </p:cNvPr>
-          <p:cNvSpPr>
-            <a:spLocks noGrp="1"/>
-          </p:cNvSpPr>
-          <p:nvPr>
-            <p:ph type="dt" sz="half" idx="14"/>
-          </p:nvPr>
-        </p:nvSpPr>
-        <p:spPr/>
-        <p:txBody>
-          <a:bodyPr/>
-          <a:lstStyle/>
-          <a:p>
-            <a:fld id="{80F28CED-CE5D-4E75-8322-B47CDC5AE153}" type="datetime4">
-              <a:rPr lang="de-DE" smtClean="0"/>
-              <a:t>1. August 2024</a:t>
-            </a:fld>
-            <a:endParaRPr lang="de-DE" dirty="0"/>
-          </a:p>
-        </p:txBody>
-      </p:sp>
-      <p:sp>
-        <p:nvSpPr>
-          <p:cNvPr id="5" name="Fußzeilenplatzhalter 4">
-            <a:extLst>
-              <a:ext uri="{FF2B5EF4-FFF2-40B4-BE49-F238E27FC236}">
-                <a16:creationId xmlns:a16="http://schemas.microsoft.com/office/drawing/2014/main" id="{EF3E551D-8223-4C1B-9389-A4D961DBF108}"/>
-              </a:ext>
-              <a:ext uri="{C183D7F6-B498-43B3-948B-1728B52AA6E4}">
-                <adec:decorative xmlns:adec="http://schemas.microsoft.com/office/drawing/2017/decorative" val="1"/>
-              </a:ext>
-            </a:extLst>
-          </p:cNvPr>
-          <p:cNvSpPr>
-            <a:spLocks noGrp="1"/>
-          </p:cNvSpPr>
-          <p:nvPr>
-            <p:ph type="ftr" sz="quarter" idx="15"/>
-          </p:nvPr>
-        </p:nvSpPr>
-        <p:spPr/>
-        <p:txBody>
-          <a:bodyPr/>
-          <a:lstStyle/>
-          <a:p>
-            <a:r>
-              <a:rPr lang="de-DE"/>
-              <a:t>Albert-Ludwigs-Universität Freiburg |</a:t>
-            </a:r>
-            <a:endParaRPr lang="de-DE" dirty="0"/>
-          </a:p>
-        </p:txBody>
-      </p:sp>
-      <p:sp>
-        <p:nvSpPr>
-          <p:cNvPr id="6" name="Foliennummernplatzhalter 5">
-            <a:extLst>
-              <a:ext uri="{FF2B5EF4-FFF2-40B4-BE49-F238E27FC236}">
-                <a16:creationId xmlns:a16="http://schemas.microsoft.com/office/drawing/2014/main" id="{C4328F87-7038-4E79-0168-B1095559D477}"/>
-              </a:ext>
-            </a:extLst>
-          </p:cNvPr>
-          <p:cNvSpPr>
-            <a:spLocks noGrp="1"/>
-          </p:cNvSpPr>
-          <p:nvPr>
-            <p:ph type="sldNum" sz="quarter" idx="16"/>
-          </p:nvPr>
-        </p:nvSpPr>
-        <p:spPr/>
-        <p:txBody>
-          <a:bodyPr/>
-          <a:lstStyle/>
-          <a:p>
-            <a:fld id="{C2571F0E-BA57-4409-A3A5-945CC828A36E}" type="slidenum">
-              <a:rPr lang="de-DE" smtClean="0"/>
-              <a:pPr/>
-              <a:t>3</a:t>
-            </a:fld>
-            <a:endParaRPr lang="de-DE" dirty="0"/>
-          </a:p>
-        </p:txBody>
-      </p:sp>
-      <p:pic>
-        <p:nvPicPr>
-          <p:cNvPr id="2" name="Grafik 1">
-            <a:extLst>
-              <a:ext uri="{FF2B5EF4-FFF2-40B4-BE49-F238E27FC236}">
-                <a16:creationId xmlns:a16="http://schemas.microsoft.com/office/drawing/2014/main" id="{E3A46E3A-237A-6043-647E-65E2D8EE5D0E}"/>
-              </a:ext>
-            </a:extLst>
-          </p:cNvPr>
-          <p:cNvPicPr>
-            <a:picLocks noChangeAspect="1"/>
-          </p:cNvPicPr>
-          <p:nvPr/>
-        </p:nvPicPr>
-        <p:blipFill rotWithShape="1">
-          <a:blip r:embed="rId3"/>
-          <a:srcRect t="634"/>
-          <a:stretch/>
-        </p:blipFill>
-        <p:spPr bwMode="auto">
-          <a:xfrm>
-            <a:off x="3803864" y="167781"/>
-            <a:ext cx="3404943" cy="6522438"/>
-          </a:xfrm>
-          <a:prstGeom prst="rect">
-            <a:avLst/>
-          </a:prstGeom>
-          <a:ln>
-            <a:noFill/>
-          </a:ln>
-          <a:extLst>
-            <a:ext uri="{53640926-AAD7-44D8-BBD7-CCE9431645EC}">
-              <a14:shadowObscured xmlns:a14="http://schemas.microsoft.com/office/drawing/2010/main"/>
-            </a:ext>
-          </a:extLst>
-        </p:spPr>
-      </p:pic>
-      <p:sp>
-        <p:nvSpPr>
-          <p:cNvPr id="3" name="Textfeld 2">
-            <a:extLst>
-              <a:ext uri="{FF2B5EF4-FFF2-40B4-BE49-F238E27FC236}">
-                <a16:creationId xmlns:a16="http://schemas.microsoft.com/office/drawing/2014/main" id="{11F635DC-D852-1672-45D5-B8994E1086A2}"/>
-              </a:ext>
-            </a:extLst>
-          </p:cNvPr>
-          <p:cNvSpPr txBox="1"/>
-          <p:nvPr/>
-        </p:nvSpPr>
-        <p:spPr>
-          <a:xfrm>
-            <a:off x="375857" y="1222883"/>
-            <a:ext cx="3592639" cy="369332"/>
-          </a:xfrm>
-          <a:prstGeom prst="rect">
-            <a:avLst/>
-          </a:prstGeom>
-          <a:noFill/>
-        </p:spPr>
-        <p:txBody>
-          <a:bodyPr wrap="square" rtlCol="0">
-            <a:spAutoFit/>
-          </a:bodyPr>
-          <a:lstStyle/>
-          <a:p>
-            <a:r>
-              <a:rPr lang="pt-BR" b="1" dirty="0">
-                <a:solidFill>
-                  <a:schemeClr val="tx2"/>
-                </a:solidFill>
-              </a:rPr>
-              <a:t>Datenaufbereitung (Empra):</a:t>
-            </a:r>
-          </a:p>
-        </p:txBody>
-      </p:sp>
-      <p:sp>
-        <p:nvSpPr>
-          <p:cNvPr id="11" name="Titel 6">
-            <a:extLst>
-              <a:ext uri="{FF2B5EF4-FFF2-40B4-BE49-F238E27FC236}">
-                <a16:creationId xmlns:a16="http://schemas.microsoft.com/office/drawing/2014/main" id="{6E175DAD-A666-08DC-8AE4-2A4D34BB5837}"/>
-              </a:ext>
-            </a:extLst>
-          </p:cNvPr>
-          <p:cNvSpPr>
-            <a:spLocks noGrp="1"/>
-          </p:cNvSpPr>
-          <p:nvPr>
-            <p:ph type="title"/>
-          </p:nvPr>
-        </p:nvSpPr>
-        <p:spPr>
-          <a:xfrm>
-            <a:off x="442913" y="365126"/>
-            <a:ext cx="5061775" cy="507330"/>
-          </a:xfrm>
-        </p:spPr>
-        <p:txBody>
-          <a:bodyPr/>
-          <a:lstStyle/>
-          <a:p>
-            <a:r>
-              <a:rPr lang="de-DE" sz="2800" b="1" dirty="0">
-                <a:solidFill>
-                  <a:schemeClr val="accent1"/>
-                </a:solidFill>
-              </a:rPr>
-              <a:t>Studiendesign</a:t>
-            </a:r>
-            <a:endParaRPr lang="de-DE" dirty="0">
-              <a:solidFill>
-                <a:srgbClr val="000000"/>
-              </a:solidFill>
-            </a:endParaRPr>
-          </a:p>
-        </p:txBody>
-      </p:sp>
-    </p:spTree>
-    <p:extLst>
-      <p:ext uri="{BB962C8B-B14F-4D97-AF65-F5344CB8AC3E}">
-        <p14:creationId xmlns:p14="http://schemas.microsoft.com/office/powerpoint/2010/main" val="1176707894"/>
+        <p14:creationId xmlns:p14="http://schemas.microsoft.com/office/powerpoint/2010/main" val="3834012272"/>
       </p:ext>
     </p:extLst>
   </p:cSld>
@@ -7172,18 +5377,28 @@
   </a:themeElements>
   <a:objectDefaults>
     <a:lnDef>
-      <a:spPr/>
+      <a:spPr>
+        <a:ln w="38100" cap="flat" cmpd="sng" algn="ctr">
+          <a:solidFill>
+            <a:schemeClr val="tx1"/>
+          </a:solidFill>
+          <a:prstDash val="solid"/>
+          <a:round/>
+          <a:headEnd type="none" w="med" len="med"/>
+          <a:tailEnd type="arrow" w="med" len="med"/>
+        </a:ln>
+      </a:spPr>
       <a:bodyPr/>
       <a:lstStyle/>
       <a:style>
-        <a:lnRef idx="2">
-          <a:schemeClr val="accent1"/>
+        <a:lnRef idx="0">
+          <a:scrgbClr r="0" g="0" b="0"/>
         </a:lnRef>
         <a:fillRef idx="0">
-          <a:schemeClr val="accent1"/>
+          <a:scrgbClr r="0" g="0" b="0"/>
         </a:fillRef>
-        <a:effectRef idx="1">
-          <a:schemeClr val="accent1"/>
+        <a:effectRef idx="0">
+          <a:scrgbClr r="0" g="0" b="0"/>
         </a:effectRef>
         <a:fontRef idx="minor">
           <a:schemeClr val="tx1"/>
